--- a/EMPIRICAL FINAL PPT.pptx
+++ b/EMPIRICAL FINAL PPT.pptx
@@ -12,11 +12,15 @@
     <p:sldId id="260" r:id="rId6"/>
     <p:sldId id="261" r:id="rId7"/>
     <p:sldId id="262" r:id="rId8"/>
-    <p:sldId id="266" r:id="rId9"/>
-    <p:sldId id="263" r:id="rId10"/>
-    <p:sldId id="265" r:id="rId11"/>
-    <p:sldId id="264" r:id="rId12"/>
-    <p:sldId id="267" r:id="rId13"/>
+    <p:sldId id="268" r:id="rId9"/>
+    <p:sldId id="269" r:id="rId10"/>
+    <p:sldId id="270" r:id="rId11"/>
+    <p:sldId id="271" r:id="rId12"/>
+    <p:sldId id="266" r:id="rId13"/>
+    <p:sldId id="263" r:id="rId14"/>
+    <p:sldId id="265" r:id="rId15"/>
+    <p:sldId id="264" r:id="rId16"/>
+    <p:sldId id="267" r:id="rId17"/>
   </p:sldIdLst>
   <p:sldSz cx="12192000" cy="6858000"/>
   <p:notesSz cx="6858000" cy="9144000"/>
@@ -115,6 +119,11 @@
       </a:defRPr>
     </a:lvl9pPr>
   </p:defaultTextStyle>
+  <p:extLst>
+    <p:ext uri="{EFAFB233-063F-42B5-8137-9DF3F51BA10A}">
+      <p15:sldGuideLst xmlns:p15="http://schemas.microsoft.com/office/powerpoint/2012/main"/>
+    </p:ext>
+  </p:extLst>
 </p:presentation>
 </file>
 
@@ -3812,8 +3821,8 @@
     <dgm:cxn modelId="{AB5D2134-02C2-4E00-B627-E51150FBB775}" srcId="{48943EAE-2F0B-4478-ADAF-A08DF476A72C}" destId="{27776E03-F479-4D51-8A77-6304AB69D87D}" srcOrd="1" destOrd="0" parTransId="{6CA12E4D-86CD-4A74-8D05-4F414242163B}" sibTransId="{AD35A883-A3BA-4E6C-9BDD-50198732CDED}"/>
     <dgm:cxn modelId="{948E6B34-E383-4B9C-ADD4-82F6AB8FE002}" type="presOf" srcId="{DD60BC93-F354-4DA2-8D07-DBA2C17FC22C}" destId="{48FF7336-43B9-4D94-B93B-6EC1F1335609}" srcOrd="1" destOrd="0" presId="urn:microsoft.com/office/officeart/2005/8/layout/list1"/>
     <dgm:cxn modelId="{DE2C573A-E5EA-489B-8AF8-FCA7239C2719}" srcId="{B3022113-F819-43C0-A8FB-F9681520C097}" destId="{AB42A0E1-ACB3-4F2B-8CE5-7072548DB69B}" srcOrd="4" destOrd="0" parTransId="{3729874C-2AC7-426C-839C-C637733754F4}" sibTransId="{E2BE7532-C672-43FA-B078-09075F014433}"/>
+    <dgm:cxn modelId="{0D97C345-AF12-4EB8-B7CC-20DB07376613}" srcId="{B3022113-F819-43C0-A8FB-F9681520C097}" destId="{3BEE0318-4761-48E2-9733-65E40546E104}" srcOrd="2" destOrd="0" parTransId="{C2B2DE7F-25C0-4A2A-9ECE-36678BF135BE}" sibTransId="{EFE13CF8-6A49-4380-9F01-6FA7AAFE09E7}"/>
     <dgm:cxn modelId="{0CA8C363-CCF7-4E0D-B7EA-F96E48F5CD1C}" srcId="{48943EAE-2F0B-4478-ADAF-A08DF476A72C}" destId="{DD60BC93-F354-4DA2-8D07-DBA2C17FC22C}" srcOrd="2" destOrd="0" parTransId="{08EE93E2-D3CE-4CA7-A83D-D003AB865B84}" sibTransId="{BD95214C-998E-477E-91A9-02E8205D637C}"/>
-    <dgm:cxn modelId="{0D97C345-AF12-4EB8-B7CC-20DB07376613}" srcId="{B3022113-F819-43C0-A8FB-F9681520C097}" destId="{3BEE0318-4761-48E2-9733-65E40546E104}" srcOrd="2" destOrd="0" parTransId="{C2B2DE7F-25C0-4A2A-9ECE-36678BF135BE}" sibTransId="{EFE13CF8-6A49-4380-9F01-6FA7AAFE09E7}"/>
     <dgm:cxn modelId="{C58DB969-D2EE-40EA-B74E-E18B20256D40}" type="presOf" srcId="{3BEE0318-4761-48E2-9733-65E40546E104}" destId="{AC8201AE-9255-4F1B-AC0C-A9F0256339F3}" srcOrd="0" destOrd="2" presId="urn:microsoft.com/office/officeart/2005/8/layout/list1"/>
     <dgm:cxn modelId="{AF5ACF6A-EDC1-4B31-816F-6F6734C0103B}" srcId="{B3022113-F819-43C0-A8FB-F9681520C097}" destId="{1EA2395D-A7BB-49C0-8EAC-7CB5C48B7775}" srcOrd="1" destOrd="0" parTransId="{DC53A031-D386-4385-98BF-BB7C83A1D796}" sibTransId="{E5229FFF-1D90-4396-B977-65A441489AD6}"/>
     <dgm:cxn modelId="{274BB575-21D4-4C7D-8B0B-789FB7076B90}" type="presOf" srcId="{27776E03-F479-4D51-8A77-6304AB69D87D}" destId="{C18382F9-E592-4599-B7C9-6A84BB38BB09}" srcOrd="1" destOrd="0" presId="urn:microsoft.com/office/officeart/2005/8/layout/list1"/>
@@ -4040,7 +4049,7 @@
 <dgm:dataModel xmlns:dgm="http://schemas.openxmlformats.org/drawingml/2006/diagram" xmlns:a="http://schemas.openxmlformats.org/drawingml/2006/main">
   <dgm:ptLst>
     <dgm:pt modelId="{7223D0D2-8721-4859-B150-248C9488A3EE}" type="doc">
-      <dgm:prSet loTypeId="urn:microsoft.com/office/officeart/2005/8/layout/hierarchy2" loCatId="hierarchy" qsTypeId="urn:microsoft.com/office/officeart/2005/8/quickstyle/simple4" qsCatId="simple" csTypeId="urn:microsoft.com/office/officeart/2005/8/colors/colorful1" csCatId="colorful"/>
+      <dgm:prSet loTypeId="urn:microsoft.com/office/officeart/2005/8/layout/hierarchy2" loCatId="hierarchy" qsTypeId="urn:microsoft.com/office/officeart/2005/8/quickstyle/simple4" qsCatId="simple" csTypeId="urn:microsoft.com/office/officeart/2005/8/colors/colorful1" csCatId="colorful" phldr="1"/>
       <dgm:spPr/>
       <dgm:t>
         <a:bodyPr/>
@@ -4058,10 +4067,26 @@
         <a:lstStyle/>
         <a:p>
           <a:r>
-            <a:rPr lang="en-US" b="0" i="0"/>
-            <a:t>Repository Link: &lt;insert link here&gt;</a:t>
+            <a:rPr lang="en-US" b="0" i="0" dirty="0"/>
+            <a:t>Repository Link: https://</a:t>
           </a:r>
-          <a:endParaRPr lang="en-US"/>
+          <a:r>
+            <a:rPr lang="en-US" b="0" i="0" dirty="0" err="1"/>
+            <a:t>github.com</a:t>
+          </a:r>
+          <a:r>
+            <a:rPr lang="en-US" b="0" i="0" dirty="0"/>
+            <a:t>/</a:t>
+          </a:r>
+          <a:r>
+            <a:rPr lang="en-US" b="0" i="0" dirty="0" err="1"/>
+            <a:t>SaiSashankYalamarthi</a:t>
+          </a:r>
+          <a:r>
+            <a:rPr lang="en-US" b="0" i="0" dirty="0"/>
+            <a:t>/Analyzing-the-Impact-of-Influencers-on-Marketing-campaigns-</a:t>
+          </a:r>
+          <a:endParaRPr lang="en-US" dirty="0"/>
         </a:p>
       </dgm:t>
     </dgm:pt>
@@ -4420,8 +4445,8 @@
     <dgm:cxn modelId="{EBB6291A-D242-4A7C-A1BD-E74D3D9CB956}" type="presOf" srcId="{D48E88FE-BF55-4BE0-A4A8-C4DFA0852842}" destId="{CF46D6CE-7749-4372-9031-8E72866B6CFF}" srcOrd="0" destOrd="0" presId="urn:microsoft.com/office/officeart/2005/8/layout/hierarchy2"/>
     <dgm:cxn modelId="{6859E03E-484F-4070-A972-DBF51CD772FA}" type="presOf" srcId="{87A9DD7C-5A83-4336-8F32-1F14F38EB54B}" destId="{769FDFFB-CA5D-4CC5-BC74-1DCD1CE6BB90}" srcOrd="1" destOrd="0" presId="urn:microsoft.com/office/officeart/2005/8/layout/hierarchy2"/>
     <dgm:cxn modelId="{15DE513F-DA93-44E3-903A-1C03B757112D}" type="presOf" srcId="{D48E88FE-BF55-4BE0-A4A8-C4DFA0852842}" destId="{B2DA3717-2862-455B-BCCF-1499748D0277}" srcOrd="1" destOrd="0" presId="urn:microsoft.com/office/officeart/2005/8/layout/hierarchy2"/>
+    <dgm:cxn modelId="{09D61D56-B77B-4DCE-AD5D-DF9A91F3FDF3}" srcId="{7223D0D2-8721-4859-B150-248C9488A3EE}" destId="{7D755464-B6D2-4B90-BC5E-6469519E5D5D}" srcOrd="1" destOrd="0" parTransId="{86799D55-7C03-4BB0-B1BE-4A2559A40EB1}" sibTransId="{76258449-1708-4480-AC79-1F059AB5A147}"/>
     <dgm:cxn modelId="{E709F572-2EC1-4FC7-A1F4-040908CF0012}" srcId="{7D755464-B6D2-4B90-BC5E-6469519E5D5D}" destId="{948EEA49-F08B-4585-9B85-35CA129BA4E9}" srcOrd="3" destOrd="0" parTransId="{B206AEDC-F55E-4E86-B469-FF041FEFC8DF}" sibTransId="{940A7A15-2024-4410-81A9-F644FAF85C04}"/>
-    <dgm:cxn modelId="{09D61D56-B77B-4DCE-AD5D-DF9A91F3FDF3}" srcId="{7223D0D2-8721-4859-B150-248C9488A3EE}" destId="{7D755464-B6D2-4B90-BC5E-6469519E5D5D}" srcOrd="1" destOrd="0" parTransId="{86799D55-7C03-4BB0-B1BE-4A2559A40EB1}" sibTransId="{76258449-1708-4480-AC79-1F059AB5A147}"/>
     <dgm:cxn modelId="{E5BF5D8F-ED6C-464B-B3DE-46809F1EC853}" type="presOf" srcId="{D4CE0713-BC40-4A72-B0DD-02984C9FE48A}" destId="{CF514836-2650-48A7-A500-ED5605A78947}" srcOrd="1" destOrd="0" presId="urn:microsoft.com/office/officeart/2005/8/layout/hierarchy2"/>
     <dgm:cxn modelId="{0A97DE9B-6648-4FEE-B8D1-C8AE95668E0A}" srcId="{7223D0D2-8721-4859-B150-248C9488A3EE}" destId="{4FCB135F-D812-4F18-A4E8-567EB0E66F23}" srcOrd="0" destOrd="0" parTransId="{844DCFB6-8934-42B3-A983-6F24F9C86C82}" sibTransId="{73EC27A7-1D10-4F23-9D5E-0211CBA036FA}"/>
     <dgm:cxn modelId="{867FA79C-B9C3-4B98-BF12-90B41CD9E436}" type="presOf" srcId="{87A9DD7C-5A83-4336-8F32-1F14F38EB54B}" destId="{F15FCA70-1FFB-47FB-82C1-440DD65CEF0C}" srcOrd="0" destOrd="0" presId="urn:microsoft.com/office/officeart/2005/8/layout/hierarchy2"/>
@@ -4984,11 +5009,11 @@
   <dgm:cxnLst>
     <dgm:cxn modelId="{05BB6F12-1AF8-484F-B457-FE6136818CD3}" type="presOf" srcId="{025C7D0B-019E-45F2-8B82-21702211359E}" destId="{065EE1D9-3BCC-4FEF-B3D8-BC0A188BB065}" srcOrd="0" destOrd="0" presId="urn:microsoft.com/office/officeart/2018/2/layout/IconCircleList"/>
     <dgm:cxn modelId="{8366F635-238C-4E3C-981B-CEE87898ABB8}" type="presOf" srcId="{9E237DAC-B1F9-4E8E-975B-AF16546FB929}" destId="{AE5D2EE4-AB93-4905-8292-3D1615CA4D53}" srcOrd="0" destOrd="0" presId="urn:microsoft.com/office/officeart/2018/2/layout/IconCircleList"/>
+    <dgm:cxn modelId="{DE8C7344-CE30-4E5A-93A4-F4C6CA91BD1F}" type="presOf" srcId="{44628211-0489-428A-AFF0-6F06933E2CD9}" destId="{74EC43EE-CC1F-43D0-B9B7-DE3D674DAE3B}" srcOrd="0" destOrd="0" presId="urn:microsoft.com/office/officeart/2018/2/layout/IconCircleList"/>
+    <dgm:cxn modelId="{75650F4F-08D0-4B1F-B2D2-C9E4F28707A3}" type="presOf" srcId="{D3027614-EE22-4295-BDC2-90C08100FFB5}" destId="{8FA89E74-F281-409A-9267-12E22FADD06B}" srcOrd="0" destOrd="0" presId="urn:microsoft.com/office/officeart/2018/2/layout/IconCircleList"/>
     <dgm:cxn modelId="{6F8E365C-E8C9-429B-8897-9ECAB8DDE3B7}" type="presOf" srcId="{26CEBB84-6DB3-4F2C-AB79-4F4F889752CC}" destId="{0C6F11F0-9454-479B-AE3B-363A1736EBD7}" srcOrd="0" destOrd="0" presId="urn:microsoft.com/office/officeart/2018/2/layout/IconCircleList"/>
-    <dgm:cxn modelId="{DE8C7344-CE30-4E5A-93A4-F4C6CA91BD1F}" type="presOf" srcId="{44628211-0489-428A-AFF0-6F06933E2CD9}" destId="{74EC43EE-CC1F-43D0-B9B7-DE3D674DAE3B}" srcOrd="0" destOrd="0" presId="urn:microsoft.com/office/officeart/2018/2/layout/IconCircleList"/>
     <dgm:cxn modelId="{0665B865-4CD9-442A-B71E-C0AB2A9CD7BF}" srcId="{955D6B1D-0812-42F2-8B36-C42CFA70CBE2}" destId="{D3027614-EE22-4295-BDC2-90C08100FFB5}" srcOrd="2" destOrd="0" parTransId="{61EC6D97-EB6A-406B-AC75-621193BAC5BA}" sibTransId="{D4605C97-FFFB-46D1-8B95-0BD295DAE456}"/>
     <dgm:cxn modelId="{22D44067-0869-4BFA-935A-6025ED85AE3A}" type="presOf" srcId="{A85599FB-37A6-490D-8F43-1788653DD5F8}" destId="{D2D82128-9942-4E2F-A379-5B1A2BCF8D28}" srcOrd="0" destOrd="0" presId="urn:microsoft.com/office/officeart/2018/2/layout/IconCircleList"/>
-    <dgm:cxn modelId="{75650F4F-08D0-4B1F-B2D2-C9E4F28707A3}" type="presOf" srcId="{D3027614-EE22-4295-BDC2-90C08100FFB5}" destId="{8FA89E74-F281-409A-9267-12E22FADD06B}" srcOrd="0" destOrd="0" presId="urn:microsoft.com/office/officeart/2018/2/layout/IconCircleList"/>
     <dgm:cxn modelId="{3ACA2077-7A71-4B11-94E6-0D2E4CFD25ED}" srcId="{955D6B1D-0812-42F2-8B36-C42CFA70CBE2}" destId="{44628211-0489-428A-AFF0-6F06933E2CD9}" srcOrd="3" destOrd="0" parTransId="{947F0307-FFD4-4441-8541-08CAFB949D1A}" sibTransId="{A85599FB-37A6-490D-8F43-1788653DD5F8}"/>
     <dgm:cxn modelId="{AA231B9E-FA62-409E-BC6D-210D0A2B0DE3}" srcId="{955D6B1D-0812-42F2-8B36-C42CFA70CBE2}" destId="{025C7D0B-019E-45F2-8B82-21702211359E}" srcOrd="0" destOrd="0" parTransId="{D0EA9DC3-2513-4561-8A3D-326435109720}" sibTransId="{D8B34B7E-F2E3-4E35-840A-8FC3CE470E45}"/>
     <dgm:cxn modelId="{78EDD9B6-1D04-4FCF-A374-93BAA9788464}" type="presOf" srcId="{955D6B1D-0812-42F2-8B36-C42CFA70CBE2}" destId="{C1E1EBF8-471C-428D-9591-732E9E1D895B}" srcOrd="0" destOrd="0" presId="urn:microsoft.com/office/officeart/2018/2/layout/IconCircleList"/>
@@ -6031,12 +6056,12 @@
         </a:fontRef>
       </dsp:style>
       <dsp:txBody>
-        <a:bodyPr spcFirstLastPara="0" vert="horz" wrap="square" lIns="7620" tIns="7620" rIns="7620" bIns="7620" numCol="1" spcCol="1270" anchor="ctr" anchorCtr="0">
+        <a:bodyPr spcFirstLastPara="0" vert="horz" wrap="square" lIns="4445" tIns="4445" rIns="4445" bIns="4445" numCol="1" spcCol="1270" anchor="ctr" anchorCtr="0">
           <a:noAutofit/>
         </a:bodyPr>
         <a:lstStyle/>
         <a:p>
-          <a:pPr marL="0" lvl="0" indent="0" algn="ctr" defTabSz="533400">
+          <a:pPr marL="0" lvl="0" indent="0" algn="ctr" defTabSz="311150">
             <a:lnSpc>
               <a:spcPct val="90000"/>
             </a:lnSpc>
@@ -6049,10 +6074,26 @@
             <a:buNone/>
           </a:pPr>
           <a:r>
-            <a:rPr lang="en-US" sz="1200" b="0" i="0" kern="1200"/>
-            <a:t>Repository Link: &lt;insert link here&gt;</a:t>
+            <a:rPr lang="en-US" sz="700" b="0" i="0" kern="1200" dirty="0"/>
+            <a:t>Repository Link: https://</a:t>
           </a:r>
-          <a:endParaRPr lang="en-US" sz="1200" kern="1200"/>
+          <a:r>
+            <a:rPr lang="en-US" sz="700" b="0" i="0" kern="1200" dirty="0" err="1"/>
+            <a:t>github.com</a:t>
+          </a:r>
+          <a:r>
+            <a:rPr lang="en-US" sz="700" b="0" i="0" kern="1200" dirty="0"/>
+            <a:t>/</a:t>
+          </a:r>
+          <a:r>
+            <a:rPr lang="en-US" sz="700" b="0" i="0" kern="1200" dirty="0" err="1"/>
+            <a:t>SaiSashankYalamarthi</a:t>
+          </a:r>
+          <a:r>
+            <a:rPr lang="en-US" sz="700" b="0" i="0" kern="1200" dirty="0"/>
+            <a:t>/Analyzing-the-Impact-of-Influencers-on-Marketing-campaigns-</a:t>
+          </a:r>
+          <a:endParaRPr lang="en-US" sz="700" kern="1200" dirty="0"/>
         </a:p>
       </dsp:txBody>
       <dsp:txXfrm>
@@ -6126,12 +6167,12 @@
         </a:fontRef>
       </dsp:style>
       <dsp:txBody>
-        <a:bodyPr spcFirstLastPara="0" vert="horz" wrap="square" lIns="7620" tIns="7620" rIns="7620" bIns="7620" numCol="1" spcCol="1270" anchor="ctr" anchorCtr="0">
+        <a:bodyPr spcFirstLastPara="0" vert="horz" wrap="square" lIns="4445" tIns="4445" rIns="4445" bIns="4445" numCol="1" spcCol="1270" anchor="ctr" anchorCtr="0">
           <a:noAutofit/>
         </a:bodyPr>
         <a:lstStyle/>
         <a:p>
-          <a:pPr marL="0" lvl="0" indent="0" algn="ctr" defTabSz="533400">
+          <a:pPr marL="0" lvl="0" indent="0" algn="ctr" defTabSz="311150">
             <a:lnSpc>
               <a:spcPct val="90000"/>
             </a:lnSpc>
@@ -6144,10 +6185,10 @@
             <a:buNone/>
           </a:pPr>
           <a:r>
-            <a:rPr lang="en-US" sz="1200" b="0" i="0" kern="1200"/>
+            <a:rPr lang="en-US" sz="700" b="0" i="0" kern="1200"/>
             <a:t>Our repository contains all the necessary code, data, and documentation needed to reproduce our results. The project is organized into several folders, including:</a:t>
           </a:r>
-          <a:endParaRPr lang="en-US" sz="1200" kern="1200"/>
+          <a:endParaRPr lang="en-US" sz="700" kern="1200"/>
         </a:p>
       </dsp:txBody>
       <dsp:txXfrm>
@@ -6214,7 +6255,7 @@
         </a:bodyPr>
         <a:lstStyle/>
         <a:p>
-          <a:pPr marL="0" lvl="0" indent="0" algn="ctr" defTabSz="355600">
+          <a:pPr marL="0" lvl="0" indent="0" algn="ctr" defTabSz="266700">
             <a:lnSpc>
               <a:spcPct val="90000"/>
             </a:lnSpc>
@@ -6226,7 +6267,7 @@
             </a:spcAft>
             <a:buNone/>
           </a:pPr>
-          <a:endParaRPr lang="en-US" sz="800" kern="1200"/>
+          <a:endParaRPr lang="en-US" sz="600" kern="1200"/>
         </a:p>
       </dsp:txBody>
       <dsp:txXfrm>
@@ -6300,12 +6341,12 @@
         </a:fontRef>
       </dsp:style>
       <dsp:txBody>
-        <a:bodyPr spcFirstLastPara="0" vert="horz" wrap="square" lIns="7620" tIns="7620" rIns="7620" bIns="7620" numCol="1" spcCol="1270" anchor="ctr" anchorCtr="0">
+        <a:bodyPr spcFirstLastPara="0" vert="horz" wrap="square" lIns="4445" tIns="4445" rIns="4445" bIns="4445" numCol="1" spcCol="1270" anchor="ctr" anchorCtr="0">
           <a:noAutofit/>
         </a:bodyPr>
         <a:lstStyle/>
         <a:p>
-          <a:pPr marL="0" lvl="0" indent="0" algn="ctr" defTabSz="533400">
+          <a:pPr marL="0" lvl="0" indent="0" algn="ctr" defTabSz="311150">
             <a:lnSpc>
               <a:spcPct val="90000"/>
             </a:lnSpc>
@@ -6318,10 +6359,10 @@
             <a:buNone/>
           </a:pPr>
           <a:r>
-            <a:rPr lang="en-US" sz="1200" b="0" i="0" kern="1200"/>
+            <a:rPr lang="en-US" sz="700" b="0" i="0" kern="1200"/>
             <a:t>Code: Contains all Python scripts used for data cleaning, visualization, and analysis</a:t>
           </a:r>
-          <a:endParaRPr lang="en-US" sz="1200" kern="1200"/>
+          <a:endParaRPr lang="en-US" sz="700" kern="1200"/>
         </a:p>
       </dsp:txBody>
       <dsp:txXfrm>
@@ -6474,12 +6515,12 @@
         </a:fontRef>
       </dsp:style>
       <dsp:txBody>
-        <a:bodyPr spcFirstLastPara="0" vert="horz" wrap="square" lIns="7620" tIns="7620" rIns="7620" bIns="7620" numCol="1" spcCol="1270" anchor="ctr" anchorCtr="0">
+        <a:bodyPr spcFirstLastPara="0" vert="horz" wrap="square" lIns="4445" tIns="4445" rIns="4445" bIns="4445" numCol="1" spcCol="1270" anchor="ctr" anchorCtr="0">
           <a:noAutofit/>
         </a:bodyPr>
         <a:lstStyle/>
         <a:p>
-          <a:pPr marL="0" lvl="0" indent="0" algn="ctr" defTabSz="533400">
+          <a:pPr marL="0" lvl="0" indent="0" algn="ctr" defTabSz="311150">
             <a:lnSpc>
               <a:spcPct val="90000"/>
             </a:lnSpc>
@@ -6492,10 +6533,10 @@
             <a:buNone/>
           </a:pPr>
           <a:r>
-            <a:rPr lang="en-US" sz="1200" b="0" i="0" kern="1200"/>
+            <a:rPr lang="en-US" sz="700" b="0" i="0" kern="1200"/>
             <a:t>Data: Contains the original CSV file of Instagram influencers and the cleaned dataset used for analysis</a:t>
           </a:r>
-          <a:endParaRPr lang="en-US" sz="1200" kern="1200"/>
+          <a:endParaRPr lang="en-US" sz="700" kern="1200"/>
         </a:p>
       </dsp:txBody>
       <dsp:txXfrm>
@@ -6648,12 +6689,12 @@
         </a:fontRef>
       </dsp:style>
       <dsp:txBody>
-        <a:bodyPr spcFirstLastPara="0" vert="horz" wrap="square" lIns="7620" tIns="7620" rIns="7620" bIns="7620" numCol="1" spcCol="1270" anchor="ctr" anchorCtr="0">
+        <a:bodyPr spcFirstLastPara="0" vert="horz" wrap="square" lIns="4445" tIns="4445" rIns="4445" bIns="4445" numCol="1" spcCol="1270" anchor="ctr" anchorCtr="0">
           <a:noAutofit/>
         </a:bodyPr>
         <a:lstStyle/>
         <a:p>
-          <a:pPr marL="0" lvl="0" indent="0" algn="ctr" defTabSz="533400">
+          <a:pPr marL="0" lvl="0" indent="0" algn="ctr" defTabSz="311150">
             <a:lnSpc>
               <a:spcPct val="90000"/>
             </a:lnSpc>
@@ -6666,10 +6707,10 @@
             <a:buNone/>
           </a:pPr>
           <a:r>
-            <a:rPr lang="en-US" sz="1200" b="0" i="0" kern="1200"/>
+            <a:rPr lang="en-US" sz="700" b="0" i="0" kern="1200"/>
             <a:t>Reports: Contains the Sweetviz report and all visualizations generated during analysis</a:t>
           </a:r>
-          <a:endParaRPr lang="en-US" sz="1200" kern="1200"/>
+          <a:endParaRPr lang="en-US" sz="700" kern="1200"/>
         </a:p>
       </dsp:txBody>
       <dsp:txXfrm>
@@ -6736,7 +6777,7 @@
         </a:bodyPr>
         <a:lstStyle/>
         <a:p>
-          <a:pPr marL="0" lvl="0" indent="0" algn="ctr" defTabSz="355600">
+          <a:pPr marL="0" lvl="0" indent="0" algn="ctr" defTabSz="266700">
             <a:lnSpc>
               <a:spcPct val="90000"/>
             </a:lnSpc>
@@ -6748,7 +6789,7 @@
             </a:spcAft>
             <a:buNone/>
           </a:pPr>
-          <a:endParaRPr lang="en-US" sz="800" kern="1200"/>
+          <a:endParaRPr lang="en-US" sz="600" kern="1200"/>
         </a:p>
       </dsp:txBody>
       <dsp:txXfrm>
@@ -6822,12 +6863,12 @@
         </a:fontRef>
       </dsp:style>
       <dsp:txBody>
-        <a:bodyPr spcFirstLastPara="0" vert="horz" wrap="square" lIns="7620" tIns="7620" rIns="7620" bIns="7620" numCol="1" spcCol="1270" anchor="ctr" anchorCtr="0">
+        <a:bodyPr spcFirstLastPara="0" vert="horz" wrap="square" lIns="4445" tIns="4445" rIns="4445" bIns="4445" numCol="1" spcCol="1270" anchor="ctr" anchorCtr="0">
           <a:noAutofit/>
         </a:bodyPr>
         <a:lstStyle/>
         <a:p>
-          <a:pPr marL="0" lvl="0" indent="0" algn="ctr" defTabSz="533400">
+          <a:pPr marL="0" lvl="0" indent="0" algn="ctr" defTabSz="311150">
             <a:lnSpc>
               <a:spcPct val="90000"/>
             </a:lnSpc>
@@ -6840,10 +6881,10 @@
             <a:buNone/>
           </a:pPr>
           <a:r>
-            <a:rPr lang="en-US" sz="1200" b="0" i="0" kern="1200"/>
+            <a:rPr lang="en-US" sz="700" b="0" i="0" kern="1200"/>
             <a:t>Docs: Contains a README file with setup instructions and documentation on the project structure and files</a:t>
           </a:r>
-          <a:endParaRPr lang="en-US" sz="1200" kern="1200"/>
+          <a:endParaRPr lang="en-US" sz="700" kern="1200"/>
         </a:p>
       </dsp:txBody>
       <dsp:txXfrm>
@@ -13296,7 +13337,7 @@
           <a:p>
             <a:fld id="{E205A3DF-7E1E-4B67-B811-742209B3DC0A}" type="datetimeFigureOut">
               <a:rPr lang="en-US" smtClean="0"/>
-              <a:t>4/5/2023</a:t>
+              <a:t>4/6/23</a:t>
             </a:fld>
             <a:endParaRPr lang="en-US"/>
           </a:p>
@@ -13634,7 +13675,7 @@
           <a:p>
             <a:fld id="{E205A3DF-7E1E-4B67-B811-742209B3DC0A}" type="datetimeFigureOut">
               <a:rPr lang="en-US" smtClean="0"/>
-              <a:t>4/5/2023</a:t>
+              <a:t>4/6/23</a:t>
             </a:fld>
             <a:endParaRPr lang="en-US"/>
           </a:p>
@@ -14035,7 +14076,7 @@
           <a:p>
             <a:fld id="{E205A3DF-7E1E-4B67-B811-742209B3DC0A}" type="datetimeFigureOut">
               <a:rPr lang="en-US" smtClean="0"/>
-              <a:t>4/5/2023</a:t>
+              <a:t>4/6/23</a:t>
             </a:fld>
             <a:endParaRPr lang="en-US"/>
           </a:p>
@@ -14371,7 +14412,7 @@
           <a:p>
             <a:fld id="{E205A3DF-7E1E-4B67-B811-742209B3DC0A}" type="datetimeFigureOut">
               <a:rPr lang="en-US" smtClean="0"/>
-              <a:t>4/5/2023</a:t>
+              <a:t>4/6/23</a:t>
             </a:fld>
             <a:endParaRPr lang="en-US"/>
           </a:p>
@@ -14691,7 +14732,7 @@
           <a:p>
             <a:fld id="{E205A3DF-7E1E-4B67-B811-742209B3DC0A}" type="datetimeFigureOut">
               <a:rPr lang="en-US" smtClean="0"/>
-              <a:t>4/5/2023</a:t>
+              <a:t>4/6/23</a:t>
             </a:fld>
             <a:endParaRPr lang="en-US"/>
           </a:p>
@@ -15087,7 +15128,7 @@
           <a:p>
             <a:fld id="{E205A3DF-7E1E-4B67-B811-742209B3DC0A}" type="datetimeFigureOut">
               <a:rPr lang="en-US" smtClean="0"/>
-              <a:t>4/5/2023</a:t>
+              <a:t>4/6/23</a:t>
             </a:fld>
             <a:endParaRPr lang="en-US"/>
           </a:p>
@@ -15344,7 +15385,7 @@
           <a:p>
             <a:fld id="{E205A3DF-7E1E-4B67-B811-742209B3DC0A}" type="datetimeFigureOut">
               <a:rPr lang="en-US" smtClean="0"/>
-              <a:t>4/5/2023</a:t>
+              <a:t>4/6/23</a:t>
             </a:fld>
             <a:endParaRPr lang="en-US"/>
           </a:p>
@@ -15606,7 +15647,7 @@
           <a:p>
             <a:fld id="{E205A3DF-7E1E-4B67-B811-742209B3DC0A}" type="datetimeFigureOut">
               <a:rPr lang="en-US" smtClean="0"/>
-              <a:t>4/5/2023</a:t>
+              <a:t>4/6/23</a:t>
             </a:fld>
             <a:endParaRPr lang="en-US"/>
           </a:p>
@@ -15868,7 +15909,7 @@
           <a:p>
             <a:fld id="{E205A3DF-7E1E-4B67-B811-742209B3DC0A}" type="datetimeFigureOut">
               <a:rPr lang="en-US" smtClean="0"/>
-              <a:t>4/5/2023</a:t>
+              <a:t>4/6/23</a:t>
             </a:fld>
             <a:endParaRPr lang="en-US"/>
           </a:p>
@@ -16197,7 +16238,7 @@
           <a:p>
             <a:fld id="{E205A3DF-7E1E-4B67-B811-742209B3DC0A}" type="datetimeFigureOut">
               <a:rPr lang="en-US" smtClean="0"/>
-              <a:t>4/5/2023</a:t>
+              <a:t>4/6/23</a:t>
             </a:fld>
             <a:endParaRPr lang="en-US"/>
           </a:p>
@@ -16520,7 +16561,7 @@
           <a:p>
             <a:fld id="{E205A3DF-7E1E-4B67-B811-742209B3DC0A}" type="datetimeFigureOut">
               <a:rPr lang="en-US" smtClean="0"/>
-              <a:t>4/5/2023</a:t>
+              <a:t>4/6/23</a:t>
             </a:fld>
             <a:endParaRPr lang="en-US"/>
           </a:p>
@@ -16977,7 +17018,7 @@
           <a:p>
             <a:fld id="{E205A3DF-7E1E-4B67-B811-742209B3DC0A}" type="datetimeFigureOut">
               <a:rPr lang="en-US" smtClean="0"/>
-              <a:t>4/5/2023</a:t>
+              <a:t>4/6/23</a:t>
             </a:fld>
             <a:endParaRPr lang="en-US"/>
           </a:p>
@@ -17182,7 +17223,7 @@
           <a:p>
             <a:fld id="{E205A3DF-7E1E-4B67-B811-742209B3DC0A}" type="datetimeFigureOut">
               <a:rPr lang="en-US" smtClean="0"/>
-              <a:t>4/5/2023</a:t>
+              <a:t>4/6/23</a:t>
             </a:fld>
             <a:endParaRPr lang="en-US"/>
           </a:p>
@@ -17359,7 +17400,7 @@
           <a:p>
             <a:fld id="{E205A3DF-7E1E-4B67-B811-742209B3DC0A}" type="datetimeFigureOut">
               <a:rPr lang="en-US" smtClean="0"/>
-              <a:t>4/5/2023</a:t>
+              <a:t>4/6/23</a:t>
             </a:fld>
             <a:endParaRPr lang="en-US"/>
           </a:p>
@@ -17692,7 +17733,7 @@
           <a:p>
             <a:fld id="{E205A3DF-7E1E-4B67-B811-742209B3DC0A}" type="datetimeFigureOut">
               <a:rPr lang="en-US" smtClean="0"/>
-              <a:t>4/5/2023</a:t>
+              <a:t>4/6/23</a:t>
             </a:fld>
             <a:endParaRPr lang="en-US"/>
           </a:p>
@@ -18037,7 +18078,7 @@
           <a:p>
             <a:fld id="{E205A3DF-7E1E-4B67-B811-742209B3DC0A}" type="datetimeFigureOut">
               <a:rPr lang="en-US" smtClean="0"/>
-              <a:t>4/5/2023</a:t>
+              <a:t>4/6/23</a:t>
             </a:fld>
             <a:endParaRPr lang="en-US"/>
           </a:p>
@@ -20154,7 +20195,7 @@
           <a:p>
             <a:fld id="{E205A3DF-7E1E-4B67-B811-742209B3DC0A}" type="datetimeFigureOut">
               <a:rPr lang="en-US" smtClean="0"/>
-              <a:t>4/5/2023</a:t>
+              <a:t>4/6/23</a:t>
             </a:fld>
             <a:endParaRPr lang="en-US"/>
           </a:p>
@@ -21046,6 +21087,1689 @@
           <a:chExt cx="0" cy="0"/>
         </a:xfrm>
       </p:grpSpPr>
+      <p:sp>
+        <p:nvSpPr>
+          <p:cNvPr id="2" name="Title 1">
+            <a:extLst>
+              <a:ext uri="{FF2B5EF4-FFF2-40B4-BE49-F238E27FC236}">
+                <a16:creationId xmlns:a16="http://schemas.microsoft.com/office/drawing/2014/main" id="{AF521176-4FBB-6E6E-F5E1-1517785C72FC}"/>
+              </a:ext>
+            </a:extLst>
+          </p:cNvPr>
+          <p:cNvSpPr>
+            <a:spLocks noGrp="1"/>
+          </p:cNvSpPr>
+          <p:nvPr>
+            <p:ph type="title"/>
+          </p:nvPr>
+        </p:nvSpPr>
+        <p:spPr>
+          <a:xfrm>
+            <a:off x="1687669" y="624110"/>
+            <a:ext cx="4137059" cy="1280890"/>
+          </a:xfrm>
+        </p:spPr>
+        <p:txBody>
+          <a:bodyPr>
+            <a:normAutofit/>
+          </a:bodyPr>
+          <a:lstStyle/>
+          <a:p>
+            <a:r>
+              <a:rPr lang="en-US" sz="3200" dirty="0"/>
+              <a:t>Statistical Test</a:t>
+            </a:r>
+          </a:p>
+        </p:txBody>
+      </p:sp>
+      <p:sp>
+        <p:nvSpPr>
+          <p:cNvPr id="8" name="Content Placeholder 7">
+            <a:extLst>
+              <a:ext uri="{FF2B5EF4-FFF2-40B4-BE49-F238E27FC236}">
+                <a16:creationId xmlns:a16="http://schemas.microsoft.com/office/drawing/2014/main" id="{5804DCBD-C158-1FF2-C3BC-98643DA5D4FF}"/>
+              </a:ext>
+            </a:extLst>
+          </p:cNvPr>
+          <p:cNvSpPr>
+            <a:spLocks noGrp="1"/>
+          </p:cNvSpPr>
+          <p:nvPr>
+            <p:ph idx="1"/>
+          </p:nvPr>
+        </p:nvSpPr>
+        <p:spPr>
+          <a:xfrm>
+            <a:off x="1683956" y="2133600"/>
+            <a:ext cx="4140772" cy="3777622"/>
+          </a:xfrm>
+        </p:spPr>
+        <p:txBody>
+          <a:bodyPr>
+            <a:normAutofit/>
+          </a:bodyPr>
+          <a:lstStyle/>
+          <a:p>
+            <a:r>
+              <a:rPr lang="en-US" dirty="0">
+                <a:solidFill>
+                  <a:srgbClr val="000000"/>
+                </a:solidFill>
+              </a:rPr>
+              <a:t>basic statistics, correlation </a:t>
+            </a:r>
+            <a:r>
+              <a:rPr lang="en-US" dirty="0" err="1">
+                <a:solidFill>
+                  <a:srgbClr val="000000"/>
+                </a:solidFill>
+              </a:rPr>
+              <a:t>analysis,linear</a:t>
+            </a:r>
+            <a:r>
+              <a:rPr lang="en-US" dirty="0">
+                <a:solidFill>
+                  <a:srgbClr val="000000"/>
+                </a:solidFill>
+              </a:rPr>
+              <a:t> regression modeling and multiple linear regression</a:t>
+            </a:r>
+          </a:p>
+        </p:txBody>
+      </p:sp>
+      <p:pic>
+        <p:nvPicPr>
+          <p:cNvPr id="4" name="Content Placeholder 3">
+            <a:extLst>
+              <a:ext uri="{FF2B5EF4-FFF2-40B4-BE49-F238E27FC236}">
+                <a16:creationId xmlns:a16="http://schemas.microsoft.com/office/drawing/2014/main" id="{47170C1A-271C-12CA-C217-EB39BBE96D97}"/>
+              </a:ext>
+            </a:extLst>
+          </p:cNvPr>
+          <p:cNvPicPr>
+            <a:picLocks noChangeAspect="1"/>
+          </p:cNvPicPr>
+          <p:nvPr/>
+        </p:nvPicPr>
+        <p:blipFill>
+          <a:blip r:embed="rId2"/>
+          <a:stretch>
+            <a:fillRect/>
+          </a:stretch>
+        </p:blipFill>
+        <p:spPr>
+          <a:xfrm>
+            <a:off x="6091916" y="2267243"/>
+            <a:ext cx="5451627" cy="2003472"/>
+          </a:xfrm>
+          <a:prstGeom prst="rect">
+            <a:avLst/>
+          </a:prstGeom>
+        </p:spPr>
+      </p:pic>
+    </p:spTree>
+    <p:extLst>
+      <p:ext uri="{BB962C8B-B14F-4D97-AF65-F5344CB8AC3E}">
+        <p14:creationId xmlns:p14="http://schemas.microsoft.com/office/powerpoint/2010/main" val="3222108185"/>
+      </p:ext>
+    </p:extLst>
+  </p:cSld>
+  <p:clrMapOvr>
+    <a:masterClrMapping/>
+  </p:clrMapOvr>
+</p:sld>
+</file>
+
+<file path=ppt/slides/slide11.xml><?xml version="1.0" encoding="utf-8"?>
+<p:sld xmlns:a="http://schemas.openxmlformats.org/drawingml/2006/main" xmlns:r="http://schemas.openxmlformats.org/officeDocument/2006/relationships" xmlns:p="http://schemas.openxmlformats.org/presentationml/2006/main">
+  <p:cSld>
+    <p:spTree>
+      <p:nvGrpSpPr>
+        <p:cNvPr id="1" name=""/>
+        <p:cNvGrpSpPr/>
+        <p:nvPr/>
+      </p:nvGrpSpPr>
+      <p:grpSpPr>
+        <a:xfrm>
+          <a:off x="0" y="0"/>
+          <a:ext cx="0" cy="0"/>
+          <a:chOff x="0" y="0"/>
+          <a:chExt cx="0" cy="0"/>
+        </a:xfrm>
+      </p:grpSpPr>
+      <p:sp>
+        <p:nvSpPr>
+          <p:cNvPr id="2" name="Title 1">
+            <a:extLst>
+              <a:ext uri="{FF2B5EF4-FFF2-40B4-BE49-F238E27FC236}">
+                <a16:creationId xmlns:a16="http://schemas.microsoft.com/office/drawing/2014/main" id="{31A20D9B-2A73-4CF8-BC01-84C1ACA6B07D}"/>
+              </a:ext>
+            </a:extLst>
+          </p:cNvPr>
+          <p:cNvSpPr>
+            <a:spLocks noGrp="1"/>
+          </p:cNvSpPr>
+          <p:nvPr>
+            <p:ph type="title"/>
+          </p:nvPr>
+        </p:nvSpPr>
+        <p:spPr/>
+        <p:txBody>
+          <a:bodyPr/>
+          <a:lstStyle/>
+          <a:p>
+            <a:endParaRPr lang="en-US"/>
+          </a:p>
+        </p:txBody>
+      </p:sp>
+      <p:pic>
+        <p:nvPicPr>
+          <p:cNvPr id="4" name="Content Placeholder 3">
+            <a:extLst>
+              <a:ext uri="{FF2B5EF4-FFF2-40B4-BE49-F238E27FC236}">
+                <a16:creationId xmlns:a16="http://schemas.microsoft.com/office/drawing/2014/main" id="{8ECA1EED-FFA3-3F75-0BA7-FFE2620A9857}"/>
+              </a:ext>
+            </a:extLst>
+          </p:cNvPr>
+          <p:cNvPicPr>
+            <a:picLocks noGrp="1" noChangeAspect="1"/>
+          </p:cNvPicPr>
+          <p:nvPr>
+            <p:ph idx="1"/>
+          </p:nvPr>
+        </p:nvPicPr>
+        <p:blipFill>
+          <a:blip r:embed="rId2"/>
+          <a:stretch>
+            <a:fillRect/>
+          </a:stretch>
+        </p:blipFill>
+        <p:spPr>
+          <a:xfrm>
+            <a:off x="2589213" y="2593737"/>
+            <a:ext cx="8915400" cy="2857975"/>
+          </a:xfrm>
+          <a:prstGeom prst="rect">
+            <a:avLst/>
+          </a:prstGeom>
+        </p:spPr>
+      </p:pic>
+    </p:spTree>
+    <p:extLst>
+      <p:ext uri="{BB962C8B-B14F-4D97-AF65-F5344CB8AC3E}">
+        <p14:creationId xmlns:p14="http://schemas.microsoft.com/office/powerpoint/2010/main" val="404702568"/>
+      </p:ext>
+    </p:extLst>
+  </p:cSld>
+  <p:clrMapOvr>
+    <a:masterClrMapping/>
+  </p:clrMapOvr>
+</p:sld>
+</file>
+
+<file path=ppt/slides/slide12.xml><?xml version="1.0" encoding="utf-8"?>
+<p:sld xmlns:a="http://schemas.openxmlformats.org/drawingml/2006/main" xmlns:r="http://schemas.openxmlformats.org/officeDocument/2006/relationships" xmlns:p="http://schemas.openxmlformats.org/presentationml/2006/main">
+  <p:cSld>
+    <p:bg>
+      <p:bgPr>
+        <a:gradFill rotWithShape="1">
+          <a:gsLst>
+            <a:gs pos="0">
+              <a:schemeClr val="bg2">
+                <a:tint val="90000"/>
+                <a:satMod val="92000"/>
+                <a:lumMod val="120000"/>
+              </a:schemeClr>
+            </a:gs>
+            <a:gs pos="100000">
+              <a:schemeClr val="bg2">
+                <a:shade val="98000"/>
+                <a:satMod val="120000"/>
+                <a:lumMod val="98000"/>
+              </a:schemeClr>
+            </a:gs>
+          </a:gsLst>
+          <a:path path="circle">
+            <a:fillToRect l="50000" t="50000" r="100000" b="100000"/>
+          </a:path>
+        </a:gradFill>
+        <a:effectLst/>
+      </p:bgPr>
+    </p:bg>
+    <p:spTree>
+      <p:nvGrpSpPr>
+        <p:cNvPr id="1" name=""/>
+        <p:cNvGrpSpPr/>
+        <p:nvPr/>
+      </p:nvGrpSpPr>
+      <p:grpSpPr>
+        <a:xfrm>
+          <a:off x="0" y="0"/>
+          <a:ext cx="0" cy="0"/>
+          <a:chOff x="0" y="0"/>
+          <a:chExt cx="0" cy="0"/>
+        </a:xfrm>
+      </p:grpSpPr>
+      <p:sp useBgFill="1">
+        <p:nvSpPr>
+          <p:cNvPr id="24" name="Rectangle 23">
+            <a:extLst>
+              <a:ext uri="{FF2B5EF4-FFF2-40B4-BE49-F238E27FC236}">
+                <a16:creationId xmlns:a16="http://schemas.microsoft.com/office/drawing/2014/main" id="{1EDD21E1-BAF0-4314-AB31-82ECB8AC9EA9}"/>
+              </a:ext>
+              <a:ext uri="{C183D7F6-B498-43B3-948B-1728B52AA6E4}">
+                <adec:decorative xmlns:adec="http://schemas.microsoft.com/office/drawing/2017/decorative" val="1"/>
+              </a:ext>
+            </a:extLst>
+          </p:cNvPr>
+          <p:cNvSpPr>
+            <a:spLocks noGrp="1" noRot="1" noChangeAspect="1" noMove="1" noResize="1" noEditPoints="1" noAdjustHandles="1" noChangeArrowheads="1" noChangeShapeType="1" noTextEdit="1"/>
+          </p:cNvSpPr>
+          <p:nvPr>
+            <p:extLst>
+              <p:ext uri="{386F3935-93C4-4BCD-93E2-E3B085C9AB24}">
+                <p16:designElem xmlns:p16="http://schemas.microsoft.com/office/powerpoint/2015/main" val="1"/>
+              </p:ext>
+            </p:extLst>
+          </p:nvPr>
+        </p:nvSpPr>
+        <p:spPr>
+          <a:xfrm>
+            <a:off x="0" y="-786"/>
+            <a:ext cx="12192000" cy="6854038"/>
+          </a:xfrm>
+          <a:prstGeom prst="rect">
+            <a:avLst/>
+          </a:prstGeom>
+          <a:ln>
+            <a:noFill/>
+          </a:ln>
+        </p:spPr>
+        <p:style>
+          <a:lnRef idx="2">
+            <a:schemeClr val="accent1">
+              <a:shade val="50000"/>
+            </a:schemeClr>
+          </a:lnRef>
+          <a:fillRef idx="1">
+            <a:schemeClr val="accent1"/>
+          </a:fillRef>
+          <a:effectRef idx="0">
+            <a:schemeClr val="accent1"/>
+          </a:effectRef>
+          <a:fontRef idx="minor">
+            <a:schemeClr val="lt1"/>
+          </a:fontRef>
+        </p:style>
+        <p:txBody>
+          <a:bodyPr rtlCol="0" anchor="ctr"/>
+          <a:lstStyle/>
+          <a:p>
+            <a:pPr algn="ctr"/>
+            <a:endParaRPr lang="en-US"/>
+          </a:p>
+        </p:txBody>
+      </p:sp>
+      <p:sp>
+        <p:nvSpPr>
+          <p:cNvPr id="2" name="Title 1">
+            <a:extLst>
+              <a:ext uri="{FF2B5EF4-FFF2-40B4-BE49-F238E27FC236}">
+                <a16:creationId xmlns:a16="http://schemas.microsoft.com/office/drawing/2014/main" id="{B6E851D5-C0C4-F7D2-57D6-446C4F7F531F}"/>
+              </a:ext>
+            </a:extLst>
+          </p:cNvPr>
+          <p:cNvSpPr>
+            <a:spLocks noGrp="1"/>
+          </p:cNvSpPr>
+          <p:nvPr>
+            <p:ph type="title"/>
+          </p:nvPr>
+        </p:nvSpPr>
+        <p:spPr>
+          <a:xfrm>
+            <a:off x="649224" y="645106"/>
+            <a:ext cx="5122652" cy="1259894"/>
+          </a:xfrm>
+        </p:spPr>
+        <p:txBody>
+          <a:bodyPr>
+            <a:normAutofit/>
+          </a:bodyPr>
+          <a:lstStyle/>
+          <a:p>
+            <a:r>
+              <a:rPr lang="en-US" dirty="0"/>
+              <a:t>Milestones </a:t>
+            </a:r>
+          </a:p>
+        </p:txBody>
+      </p:sp>
+      <p:sp>
+        <p:nvSpPr>
+          <p:cNvPr id="26" name="Rectangle 25">
+            <a:extLst>
+              <a:ext uri="{FF2B5EF4-FFF2-40B4-BE49-F238E27FC236}">
+                <a16:creationId xmlns:a16="http://schemas.microsoft.com/office/drawing/2014/main" id="{FDC8619C-F25D-468E-95FA-2A2151D7DDD2}"/>
+              </a:ext>
+              <a:ext uri="{C183D7F6-B498-43B3-948B-1728B52AA6E4}">
+                <adec:decorative xmlns:adec="http://schemas.microsoft.com/office/drawing/2017/decorative" val="1"/>
+              </a:ext>
+            </a:extLst>
+          </p:cNvPr>
+          <p:cNvSpPr>
+            <a:spLocks noGrp="1" noRot="1" noChangeAspect="1" noMove="1" noResize="1" noEditPoints="1" noAdjustHandles="1" noChangeArrowheads="1" noChangeShapeType="1" noTextEdit="1"/>
+          </p:cNvSpPr>
+          <p:nvPr>
+            <p:extLst>
+              <p:ext uri="{386F3935-93C4-4BCD-93E2-E3B085C9AB24}">
+                <p16:designElem xmlns:p16="http://schemas.microsoft.com/office/powerpoint/2015/main" val="1"/>
+              </p:ext>
+            </p:extLst>
+          </p:nvPr>
+        </p:nvSpPr>
+        <p:spPr>
+          <a:xfrm>
+            <a:off x="0" y="0"/>
+            <a:ext cx="182880" cy="6858000"/>
+          </a:xfrm>
+          <a:prstGeom prst="rect">
+            <a:avLst/>
+          </a:prstGeom>
+          <a:solidFill>
+            <a:schemeClr val="tx2"/>
+          </a:solidFill>
+          <a:ln>
+            <a:noFill/>
+          </a:ln>
+          <a:effectLst/>
+        </p:spPr>
+        <p:style>
+          <a:lnRef idx="1">
+            <a:schemeClr val="accent1"/>
+          </a:lnRef>
+          <a:fillRef idx="3">
+            <a:schemeClr val="accent1"/>
+          </a:fillRef>
+          <a:effectRef idx="2">
+            <a:schemeClr val="accent1"/>
+          </a:effectRef>
+          <a:fontRef idx="minor">
+            <a:schemeClr val="lt1"/>
+          </a:fontRef>
+        </p:style>
+      </p:sp>
+      <p:sp>
+        <p:nvSpPr>
+          <p:cNvPr id="9" name="Content Placeholder 8">
+            <a:extLst>
+              <a:ext uri="{FF2B5EF4-FFF2-40B4-BE49-F238E27FC236}">
+                <a16:creationId xmlns:a16="http://schemas.microsoft.com/office/drawing/2014/main" id="{857E1827-50FC-DD17-A718-060184C0BC59}"/>
+              </a:ext>
+            </a:extLst>
+          </p:cNvPr>
+          <p:cNvSpPr>
+            <a:spLocks noGrp="1"/>
+          </p:cNvSpPr>
+          <p:nvPr>
+            <p:ph idx="1"/>
+          </p:nvPr>
+        </p:nvSpPr>
+        <p:spPr>
+          <a:xfrm>
+            <a:off x="649225" y="2133600"/>
+            <a:ext cx="5122652" cy="3759253"/>
+          </a:xfrm>
+        </p:spPr>
+        <p:txBody>
+          <a:bodyPr>
+            <a:normAutofit/>
+          </a:bodyPr>
+          <a:lstStyle/>
+          <a:p>
+            <a:endParaRPr lang="en-US"/>
+          </a:p>
+        </p:txBody>
+      </p:sp>
+      <p:sp>
+        <p:nvSpPr>
+          <p:cNvPr id="28" name="Freeform 12">
+            <a:extLst>
+              <a:ext uri="{FF2B5EF4-FFF2-40B4-BE49-F238E27FC236}">
+                <a16:creationId xmlns:a16="http://schemas.microsoft.com/office/drawing/2014/main" id="{7D9439D6-DEAD-4CEB-A61B-BE3D64D1B598}"/>
+              </a:ext>
+              <a:ext uri="{C183D7F6-B498-43B3-948B-1728B52AA6E4}">
+                <adec:decorative xmlns:adec="http://schemas.microsoft.com/office/drawing/2017/decorative" val="1"/>
+              </a:ext>
+            </a:extLst>
+          </p:cNvPr>
+          <p:cNvSpPr>
+            <a:spLocks noGrp="1" noRot="1" noChangeAspect="1" noMove="1" noResize="1" noEditPoints="1" noAdjustHandles="1" noChangeArrowheads="1" noChangeShapeType="1" noTextEdit="1"/>
+          </p:cNvSpPr>
+          <p:nvPr>
+            <p:extLst>
+              <p:ext uri="{386F3935-93C4-4BCD-93E2-E3B085C9AB24}">
+                <p16:designElem xmlns:p16="http://schemas.microsoft.com/office/powerpoint/2015/main" val="1"/>
+              </p:ext>
+            </p:extLst>
+          </p:nvPr>
+        </p:nvSpPr>
+        <p:spPr>
+          <a:xfrm>
+            <a:off x="-1" y="6061223"/>
+            <a:ext cx="1038036" cy="506277"/>
+          </a:xfrm>
+          <a:custGeom>
+            <a:avLst/>
+            <a:gdLst>
+              <a:gd name="connsiteX0" fmla="*/ 0 w 1038036"/>
+              <a:gd name="connsiteY0" fmla="*/ 0 h 506277"/>
+              <a:gd name="connsiteX1" fmla="*/ 182880 w 1038036"/>
+              <a:gd name="connsiteY1" fmla="*/ 0 h 506277"/>
+              <a:gd name="connsiteX2" fmla="*/ 291705 w 1038036"/>
+              <a:gd name="connsiteY2" fmla="*/ 0 h 506277"/>
+              <a:gd name="connsiteX3" fmla="*/ 291705 w 1038036"/>
+              <a:gd name="connsiteY3" fmla="*/ 151 h 506277"/>
+              <a:gd name="connsiteX4" fmla="*/ 692049 w 1038036"/>
+              <a:gd name="connsiteY4" fmla="*/ 705 h 506277"/>
+              <a:gd name="connsiteX5" fmla="*/ 782744 w 1038036"/>
+              <a:gd name="connsiteY5" fmla="*/ 705 h 506277"/>
+              <a:gd name="connsiteX6" fmla="*/ 797001 w 1038036"/>
+              <a:gd name="connsiteY6" fmla="*/ 5473 h 506277"/>
+              <a:gd name="connsiteX7" fmla="*/ 801982 w 1038036"/>
+              <a:gd name="connsiteY7" fmla="*/ 10242 h 506277"/>
+              <a:gd name="connsiteX8" fmla="*/ 1030951 w 1038036"/>
+              <a:gd name="connsiteY8" fmla="*/ 239185 h 506277"/>
+              <a:gd name="connsiteX9" fmla="*/ 1030951 w 1038036"/>
+              <a:gd name="connsiteY9" fmla="*/ 267797 h 506277"/>
+              <a:gd name="connsiteX10" fmla="*/ 801982 w 1038036"/>
+              <a:gd name="connsiteY10" fmla="*/ 496740 h 506277"/>
+              <a:gd name="connsiteX11" fmla="*/ 797001 w 1038036"/>
+              <a:gd name="connsiteY11" fmla="*/ 501508 h 506277"/>
+              <a:gd name="connsiteX12" fmla="*/ 782744 w 1038036"/>
+              <a:gd name="connsiteY12" fmla="*/ 506277 h 506277"/>
+              <a:gd name="connsiteX13" fmla="*/ 692049 w 1038036"/>
+              <a:gd name="connsiteY13" fmla="*/ 506277 h 506277"/>
+              <a:gd name="connsiteX14" fmla="*/ 291705 w 1038036"/>
+              <a:gd name="connsiteY14" fmla="*/ 505140 h 506277"/>
+              <a:gd name="connsiteX15" fmla="*/ 291705 w 1038036"/>
+              <a:gd name="connsiteY15" fmla="*/ 506277 h 506277"/>
+              <a:gd name="connsiteX16" fmla="*/ 0 w 1038036"/>
+              <a:gd name="connsiteY16" fmla="*/ 506277 h 506277"/>
+            </a:gdLst>
+            <a:ahLst/>
+            <a:cxnLst>
+              <a:cxn ang="0">
+                <a:pos x="connsiteX0" y="connsiteY0"/>
+              </a:cxn>
+              <a:cxn ang="0">
+                <a:pos x="connsiteX1" y="connsiteY1"/>
+              </a:cxn>
+              <a:cxn ang="0">
+                <a:pos x="connsiteX2" y="connsiteY2"/>
+              </a:cxn>
+              <a:cxn ang="0">
+                <a:pos x="connsiteX3" y="connsiteY3"/>
+              </a:cxn>
+              <a:cxn ang="0">
+                <a:pos x="connsiteX4" y="connsiteY4"/>
+              </a:cxn>
+              <a:cxn ang="0">
+                <a:pos x="connsiteX5" y="connsiteY5"/>
+              </a:cxn>
+              <a:cxn ang="0">
+                <a:pos x="connsiteX6" y="connsiteY6"/>
+              </a:cxn>
+              <a:cxn ang="0">
+                <a:pos x="connsiteX7" y="connsiteY7"/>
+              </a:cxn>
+              <a:cxn ang="0">
+                <a:pos x="connsiteX8" y="connsiteY8"/>
+              </a:cxn>
+              <a:cxn ang="0">
+                <a:pos x="connsiteX9" y="connsiteY9"/>
+              </a:cxn>
+              <a:cxn ang="0">
+                <a:pos x="connsiteX10" y="connsiteY10"/>
+              </a:cxn>
+              <a:cxn ang="0">
+                <a:pos x="connsiteX11" y="connsiteY11"/>
+              </a:cxn>
+              <a:cxn ang="0">
+                <a:pos x="connsiteX12" y="connsiteY12"/>
+              </a:cxn>
+              <a:cxn ang="0">
+                <a:pos x="connsiteX13" y="connsiteY13"/>
+              </a:cxn>
+              <a:cxn ang="0">
+                <a:pos x="connsiteX14" y="connsiteY14"/>
+              </a:cxn>
+              <a:cxn ang="0">
+                <a:pos x="connsiteX15" y="connsiteY15"/>
+              </a:cxn>
+              <a:cxn ang="0">
+                <a:pos x="connsiteX16" y="connsiteY16"/>
+              </a:cxn>
+            </a:cxnLst>
+            <a:rect l="l" t="t" r="r" b="b"/>
+            <a:pathLst>
+              <a:path w="1038036" h="506277">
+                <a:moveTo>
+                  <a:pt x="0" y="0"/>
+                </a:moveTo>
+                <a:lnTo>
+                  <a:pt x="182880" y="0"/>
+                </a:lnTo>
+                <a:lnTo>
+                  <a:pt x="291705" y="0"/>
+                </a:lnTo>
+                <a:lnTo>
+                  <a:pt x="291705" y="151"/>
+                </a:lnTo>
+                <a:lnTo>
+                  <a:pt x="692049" y="705"/>
+                </a:lnTo>
+                <a:lnTo>
+                  <a:pt x="782744" y="705"/>
+                </a:lnTo>
+                <a:cubicBezTo>
+                  <a:pt x="787553" y="705"/>
+                  <a:pt x="792363" y="5473"/>
+                  <a:pt x="797001" y="5473"/>
+                </a:cubicBezTo>
+                <a:cubicBezTo>
+                  <a:pt x="797001" y="10242"/>
+                  <a:pt x="801982" y="10242"/>
+                  <a:pt x="801982" y="10242"/>
+                </a:cubicBezTo>
+                <a:lnTo>
+                  <a:pt x="1030951" y="239185"/>
+                </a:lnTo>
+                <a:cubicBezTo>
+                  <a:pt x="1040398" y="248722"/>
+                  <a:pt x="1040398" y="258259"/>
+                  <a:pt x="1030951" y="267797"/>
+                </a:cubicBezTo>
+                <a:lnTo>
+                  <a:pt x="801982" y="496740"/>
+                </a:lnTo>
+                <a:cubicBezTo>
+                  <a:pt x="800436" y="498363"/>
+                  <a:pt x="798547" y="499885"/>
+                  <a:pt x="797001" y="501508"/>
+                </a:cubicBezTo>
+                <a:cubicBezTo>
+                  <a:pt x="792363" y="506277"/>
+                  <a:pt x="787553" y="506277"/>
+                  <a:pt x="782744" y="506277"/>
+                </a:cubicBezTo>
+                <a:lnTo>
+                  <a:pt x="692049" y="506277"/>
+                </a:lnTo>
+                <a:lnTo>
+                  <a:pt x="291705" y="505140"/>
+                </a:lnTo>
+                <a:lnTo>
+                  <a:pt x="291705" y="506277"/>
+                </a:lnTo>
+                <a:lnTo>
+                  <a:pt x="0" y="506277"/>
+                </a:lnTo>
+                <a:close/>
+              </a:path>
+            </a:pathLst>
+          </a:custGeom>
+          <a:ln>
+            <a:noFill/>
+          </a:ln>
+        </p:spPr>
+        <p:style>
+          <a:lnRef idx="2">
+            <a:schemeClr val="accent1">
+              <a:shade val="50000"/>
+            </a:schemeClr>
+          </a:lnRef>
+          <a:fillRef idx="1">
+            <a:schemeClr val="accent1"/>
+          </a:fillRef>
+          <a:effectRef idx="0">
+            <a:schemeClr val="accent1"/>
+          </a:effectRef>
+          <a:fontRef idx="minor">
+            <a:schemeClr val="lt1"/>
+          </a:fontRef>
+        </p:style>
+        <p:txBody>
+          <a:bodyPr rtlCol="0" anchor="ctr"/>
+          <a:lstStyle/>
+          <a:p>
+            <a:pPr algn="ctr"/>
+            <a:endParaRPr lang="en-US"/>
+          </a:p>
+        </p:txBody>
+      </p:sp>
+      <p:graphicFrame>
+        <p:nvGraphicFramePr>
+          <p:cNvPr id="7" name="Content Placeholder 3">
+            <a:extLst>
+              <a:ext uri="{FF2B5EF4-FFF2-40B4-BE49-F238E27FC236}">
+                <a16:creationId xmlns:a16="http://schemas.microsoft.com/office/drawing/2014/main" id="{EE76CFD8-F39D-540B-8440-E7F7E19CC1C3}"/>
+              </a:ext>
+            </a:extLst>
+          </p:cNvPr>
+          <p:cNvGraphicFramePr>
+            <a:graphicFrameLocks/>
+          </p:cNvGraphicFramePr>
+          <p:nvPr>
+            <p:extLst>
+              <p:ext uri="{D42A27DB-BD31-4B8C-83A1-F6EECF244321}">
+                <p14:modId xmlns:p14="http://schemas.microsoft.com/office/powerpoint/2010/main" val="4041801216"/>
+              </p:ext>
+            </p:extLst>
+          </p:nvPr>
+        </p:nvGraphicFramePr>
+        <p:xfrm>
+          <a:off x="6091916" y="1359220"/>
+          <a:ext cx="5451628" cy="4051920"/>
+        </p:xfrm>
+        <a:graphic>
+          <a:graphicData uri="http://schemas.openxmlformats.org/drawingml/2006/table">
+            <a:tbl>
+              <a:tblPr firstRow="1" bandRow="1">
+                <a:noFill/>
+                <a:tableStyleId>{5C22544A-7EE6-4342-B048-85BDC9FD1C3A}</a:tableStyleId>
+              </a:tblPr>
+              <a:tblGrid>
+                <a:gridCol w="1533284">
+                  <a:extLst>
+                    <a:ext uri="{9D8B030D-6E8A-4147-A177-3AD203B41FA5}">
+                      <a16:colId xmlns:a16="http://schemas.microsoft.com/office/drawing/2014/main" val="424739740"/>
+                    </a:ext>
+                  </a:extLst>
+                </a:gridCol>
+                <a:gridCol w="3918344">
+                  <a:extLst>
+                    <a:ext uri="{9D8B030D-6E8A-4147-A177-3AD203B41FA5}">
+                      <a16:colId xmlns:a16="http://schemas.microsoft.com/office/drawing/2014/main" val="2918670442"/>
+                    </a:ext>
+                  </a:extLst>
+                </a:gridCol>
+              </a:tblGrid>
+              <a:tr h="1034967">
+                <a:tc>
+                  <a:txBody>
+                    <a:bodyPr/>
+                    <a:lstStyle/>
+                    <a:p>
+                      <a:r>
+                        <a:rPr lang="en-US" sz="2400" b="1">
+                          <a:solidFill>
+                            <a:schemeClr val="tx1">
+                              <a:lumMod val="75000"/>
+                              <a:lumOff val="25000"/>
+                            </a:schemeClr>
+                          </a:solidFill>
+                        </a:rPr>
+                        <a:t>WEEK NO.</a:t>
+                      </a:r>
+                    </a:p>
+                  </a:txBody>
+                  <a:tcPr marL="246421" marR="184815" marT="123210" marB="123210">
+                    <a:lnL w="12700" cmpd="sng">
+                      <a:noFill/>
+                      <a:prstDash val="solid"/>
+                    </a:lnL>
+                    <a:lnR w="12700" cmpd="sng">
+                      <a:noFill/>
+                      <a:prstDash val="solid"/>
+                    </a:lnR>
+                    <a:lnT w="9525" cap="flat" cmpd="sng" algn="ctr">
+                      <a:noFill/>
+                      <a:prstDash val="solid"/>
+                    </a:lnT>
+                    <a:lnB w="9525" cap="flat" cmpd="sng" algn="ctr">
+                      <a:solidFill>
+                        <a:srgbClr val="C7C6C1"/>
+                      </a:solidFill>
+                      <a:prstDash val="solid"/>
+                    </a:lnB>
+                    <a:noFill/>
+                  </a:tcPr>
+                </a:tc>
+                <a:tc>
+                  <a:txBody>
+                    <a:bodyPr/>
+                    <a:lstStyle/>
+                    <a:p>
+                      <a:r>
+                        <a:rPr lang="en-US" sz="2400" b="1">
+                          <a:solidFill>
+                            <a:schemeClr val="tx1">
+                              <a:lumMod val="75000"/>
+                              <a:lumOff val="25000"/>
+                            </a:schemeClr>
+                          </a:solidFill>
+                        </a:rPr>
+                        <a:t>TASK/MILESTONE </a:t>
+                      </a:r>
+                    </a:p>
+                  </a:txBody>
+                  <a:tcPr marL="246421" marR="184815" marT="123210" marB="123210">
+                    <a:lnL w="12700" cmpd="sng">
+                      <a:noFill/>
+                      <a:prstDash val="solid"/>
+                    </a:lnL>
+                    <a:lnR w="12700" cmpd="sng">
+                      <a:noFill/>
+                      <a:prstDash val="solid"/>
+                    </a:lnR>
+                    <a:lnT w="9525" cap="flat" cmpd="sng" algn="ctr">
+                      <a:noFill/>
+                      <a:prstDash val="solid"/>
+                    </a:lnT>
+                    <a:lnB w="9525" cap="flat" cmpd="sng" algn="ctr">
+                      <a:solidFill>
+                        <a:srgbClr val="C7C6C1"/>
+                      </a:solidFill>
+                      <a:prstDash val="solid"/>
+                    </a:lnB>
+                    <a:noFill/>
+                  </a:tcPr>
+                </a:tc>
+                <a:extLst>
+                  <a:ext uri="{0D108BD9-81ED-4DB2-BD59-A6C34878D82A}">
+                    <a16:rowId xmlns:a16="http://schemas.microsoft.com/office/drawing/2014/main" val="4038969940"/>
+                  </a:ext>
+                </a:extLst>
+              </a:tr>
+              <a:tr h="562661">
+                <a:tc>
+                  <a:txBody>
+                    <a:bodyPr/>
+                    <a:lstStyle/>
+                    <a:p>
+                      <a:r>
+                        <a:rPr lang="en-US" sz="1800">
+                          <a:solidFill>
+                            <a:schemeClr val="tx1">
+                              <a:lumMod val="75000"/>
+                              <a:lumOff val="25000"/>
+                            </a:schemeClr>
+                          </a:solidFill>
+                        </a:rPr>
+                        <a:t>01</a:t>
+                      </a:r>
+                    </a:p>
+                  </a:txBody>
+                  <a:tcPr marL="246421" marR="184815" marT="123210" marB="123210">
+                    <a:lnL w="12700" cmpd="sng">
+                      <a:noFill/>
+                      <a:prstDash val="solid"/>
+                    </a:lnL>
+                    <a:lnR w="12700" cmpd="sng">
+                      <a:noFill/>
+                      <a:prstDash val="solid"/>
+                    </a:lnR>
+                    <a:lnT w="9525" cap="flat" cmpd="sng" algn="ctr">
+                      <a:solidFill>
+                        <a:srgbClr val="C7C6C1"/>
+                      </a:solidFill>
+                      <a:prstDash val="solid"/>
+                    </a:lnT>
+                    <a:lnB w="9525" cap="flat" cmpd="sng" algn="ctr">
+                      <a:solidFill>
+                        <a:srgbClr val="C7C6C1"/>
+                      </a:solidFill>
+                      <a:prstDash val="solid"/>
+                    </a:lnB>
+                    <a:noFill/>
+                  </a:tcPr>
+                </a:tc>
+                <a:tc>
+                  <a:txBody>
+                    <a:bodyPr/>
+                    <a:lstStyle/>
+                    <a:p>
+                      <a:pPr marL="0" marR="0" lvl="0" indent="0" algn="l" defTabSz="914400" rtl="0" eaLnBrk="1" fontAlgn="auto" latinLnBrk="0" hangingPunct="1">
+                        <a:lnSpc>
+                          <a:spcPct val="100000"/>
+                        </a:lnSpc>
+                        <a:spcBef>
+                          <a:spcPts val="0"/>
+                        </a:spcBef>
+                        <a:spcAft>
+                          <a:spcPts val="0"/>
+                        </a:spcAft>
+                        <a:buClrTx/>
+                        <a:buSzTx/>
+                        <a:buFontTx/>
+                        <a:buNone/>
+                        <a:tabLst/>
+                        <a:defRPr/>
+                      </a:pPr>
+                      <a:r>
+                        <a:rPr lang="en-US" sz="1800">
+                          <a:solidFill>
+                            <a:schemeClr val="tx1">
+                              <a:lumMod val="75000"/>
+                              <a:lumOff val="25000"/>
+                            </a:schemeClr>
+                          </a:solidFill>
+                        </a:rPr>
+                        <a:t>Data Collection and Review.</a:t>
+                      </a:r>
+                    </a:p>
+                  </a:txBody>
+                  <a:tcPr marL="246421" marR="184815" marT="123210" marB="123210">
+                    <a:lnL w="12700" cmpd="sng">
+                      <a:noFill/>
+                      <a:prstDash val="solid"/>
+                    </a:lnL>
+                    <a:lnR w="12700" cmpd="sng">
+                      <a:noFill/>
+                      <a:prstDash val="solid"/>
+                    </a:lnR>
+                    <a:lnT w="9525" cap="flat" cmpd="sng" algn="ctr">
+                      <a:solidFill>
+                        <a:srgbClr val="C7C6C1"/>
+                      </a:solidFill>
+                      <a:prstDash val="solid"/>
+                    </a:lnT>
+                    <a:lnB w="9525" cap="flat" cmpd="sng" algn="ctr">
+                      <a:solidFill>
+                        <a:srgbClr val="C7C6C1"/>
+                      </a:solidFill>
+                      <a:prstDash val="solid"/>
+                    </a:lnB>
+                    <a:noFill/>
+                  </a:tcPr>
+                </a:tc>
+                <a:extLst>
+                  <a:ext uri="{0D108BD9-81ED-4DB2-BD59-A6C34878D82A}">
+                    <a16:rowId xmlns:a16="http://schemas.microsoft.com/office/drawing/2014/main" val="3093033847"/>
+                  </a:ext>
+                </a:extLst>
+              </a:tr>
+              <a:tr h="829616">
+                <a:tc>
+                  <a:txBody>
+                    <a:bodyPr/>
+                    <a:lstStyle/>
+                    <a:p>
+                      <a:r>
+                        <a:rPr lang="en-US" sz="1800">
+                          <a:solidFill>
+                            <a:schemeClr val="tx1">
+                              <a:lumMod val="75000"/>
+                              <a:lumOff val="25000"/>
+                            </a:schemeClr>
+                          </a:solidFill>
+                        </a:rPr>
+                        <a:t>02</a:t>
+                      </a:r>
+                    </a:p>
+                  </a:txBody>
+                  <a:tcPr marL="246421" marR="184815" marT="123210" marB="123210">
+                    <a:lnL w="12700" cmpd="sng">
+                      <a:noFill/>
+                      <a:prstDash val="solid"/>
+                    </a:lnL>
+                    <a:lnR w="12700" cmpd="sng">
+                      <a:noFill/>
+                      <a:prstDash val="solid"/>
+                    </a:lnR>
+                    <a:lnT w="9525" cap="flat" cmpd="sng" algn="ctr">
+                      <a:solidFill>
+                        <a:srgbClr val="C7C6C1"/>
+                      </a:solidFill>
+                      <a:prstDash val="solid"/>
+                    </a:lnT>
+                    <a:lnB w="9525" cap="flat" cmpd="sng" algn="ctr">
+                      <a:solidFill>
+                        <a:srgbClr val="C7C6C1"/>
+                      </a:solidFill>
+                      <a:prstDash val="solid"/>
+                    </a:lnB>
+                    <a:noFill/>
+                  </a:tcPr>
+                </a:tc>
+                <a:tc>
+                  <a:txBody>
+                    <a:bodyPr/>
+                    <a:lstStyle/>
+                    <a:p>
+                      <a:r>
+                        <a:rPr lang="en-US" sz="1800">
+                          <a:solidFill>
+                            <a:schemeClr val="tx1">
+                              <a:lumMod val="75000"/>
+                              <a:lumOff val="25000"/>
+                            </a:schemeClr>
+                          </a:solidFill>
+                        </a:rPr>
+                        <a:t>Data Cleaning and Descriptive analysis.</a:t>
+                      </a:r>
+                    </a:p>
+                  </a:txBody>
+                  <a:tcPr marL="246421" marR="184815" marT="123210" marB="123210">
+                    <a:lnL w="12700" cmpd="sng">
+                      <a:noFill/>
+                      <a:prstDash val="solid"/>
+                    </a:lnL>
+                    <a:lnR w="12700" cmpd="sng">
+                      <a:noFill/>
+                      <a:prstDash val="solid"/>
+                    </a:lnR>
+                    <a:lnT w="9525" cap="flat" cmpd="sng" algn="ctr">
+                      <a:solidFill>
+                        <a:srgbClr val="C7C6C1"/>
+                      </a:solidFill>
+                      <a:prstDash val="solid"/>
+                    </a:lnT>
+                    <a:lnB w="9525" cap="flat" cmpd="sng" algn="ctr">
+                      <a:solidFill>
+                        <a:srgbClr val="C7C6C1"/>
+                      </a:solidFill>
+                      <a:prstDash val="solid"/>
+                    </a:lnB>
+                    <a:noFill/>
+                  </a:tcPr>
+                </a:tc>
+                <a:extLst>
+                  <a:ext uri="{0D108BD9-81ED-4DB2-BD59-A6C34878D82A}">
+                    <a16:rowId xmlns:a16="http://schemas.microsoft.com/office/drawing/2014/main" val="301577594"/>
+                  </a:ext>
+                </a:extLst>
+              </a:tr>
+              <a:tr h="829616">
+                <a:tc>
+                  <a:txBody>
+                    <a:bodyPr/>
+                    <a:lstStyle/>
+                    <a:p>
+                      <a:r>
+                        <a:rPr lang="en-US" sz="1800">
+                          <a:solidFill>
+                            <a:schemeClr val="tx1">
+                              <a:lumMod val="75000"/>
+                              <a:lumOff val="25000"/>
+                            </a:schemeClr>
+                          </a:solidFill>
+                        </a:rPr>
+                        <a:t>03</a:t>
+                      </a:r>
+                    </a:p>
+                  </a:txBody>
+                  <a:tcPr marL="246421" marR="184815" marT="123210" marB="123210">
+                    <a:lnL w="12700" cmpd="sng">
+                      <a:noFill/>
+                      <a:prstDash val="solid"/>
+                    </a:lnL>
+                    <a:lnR w="12700" cmpd="sng">
+                      <a:noFill/>
+                      <a:prstDash val="solid"/>
+                    </a:lnR>
+                    <a:lnT w="9525" cap="flat" cmpd="sng" algn="ctr">
+                      <a:solidFill>
+                        <a:srgbClr val="C7C6C1"/>
+                      </a:solidFill>
+                      <a:prstDash val="solid"/>
+                    </a:lnT>
+                    <a:lnB w="9525" cap="flat" cmpd="sng" algn="ctr">
+                      <a:solidFill>
+                        <a:srgbClr val="C7C6C1"/>
+                      </a:solidFill>
+                      <a:prstDash val="solid"/>
+                    </a:lnB>
+                    <a:noFill/>
+                  </a:tcPr>
+                </a:tc>
+                <a:tc>
+                  <a:txBody>
+                    <a:bodyPr/>
+                    <a:lstStyle/>
+                    <a:p>
+                      <a:r>
+                        <a:rPr lang="en-US" sz="1800">
+                          <a:solidFill>
+                            <a:schemeClr val="tx1">
+                              <a:lumMod val="75000"/>
+                              <a:lumOff val="25000"/>
+                            </a:schemeClr>
+                          </a:solidFill>
+                        </a:rPr>
+                        <a:t>Regression Analysis and Hypothesis testing.</a:t>
+                      </a:r>
+                    </a:p>
+                  </a:txBody>
+                  <a:tcPr marL="246421" marR="184815" marT="123210" marB="123210">
+                    <a:lnL w="12700" cmpd="sng">
+                      <a:noFill/>
+                      <a:prstDash val="solid"/>
+                    </a:lnL>
+                    <a:lnR w="12700" cmpd="sng">
+                      <a:noFill/>
+                      <a:prstDash val="solid"/>
+                    </a:lnR>
+                    <a:lnT w="9525" cap="flat" cmpd="sng" algn="ctr">
+                      <a:solidFill>
+                        <a:srgbClr val="C7C6C1"/>
+                      </a:solidFill>
+                      <a:prstDash val="solid"/>
+                    </a:lnT>
+                    <a:lnB w="9525" cap="flat" cmpd="sng" algn="ctr">
+                      <a:solidFill>
+                        <a:srgbClr val="C7C6C1"/>
+                      </a:solidFill>
+                      <a:prstDash val="solid"/>
+                    </a:lnB>
+                    <a:noFill/>
+                  </a:tcPr>
+                </a:tc>
+                <a:extLst>
+                  <a:ext uri="{0D108BD9-81ED-4DB2-BD59-A6C34878D82A}">
+                    <a16:rowId xmlns:a16="http://schemas.microsoft.com/office/drawing/2014/main" val="731542647"/>
+                  </a:ext>
+                </a:extLst>
+              </a:tr>
+              <a:tr h="562661">
+                <a:tc>
+                  <a:txBody>
+                    <a:bodyPr/>
+                    <a:lstStyle/>
+                    <a:p>
+                      <a:r>
+                        <a:rPr lang="en-US" sz="1800">
+                          <a:solidFill>
+                            <a:schemeClr val="tx1">
+                              <a:lumMod val="75000"/>
+                              <a:lumOff val="25000"/>
+                            </a:schemeClr>
+                          </a:solidFill>
+                        </a:rPr>
+                        <a:t>04</a:t>
+                      </a:r>
+                    </a:p>
+                  </a:txBody>
+                  <a:tcPr marL="246421" marR="184815" marT="123210" marB="123210">
+                    <a:lnL w="12700" cmpd="sng">
+                      <a:noFill/>
+                      <a:prstDash val="solid"/>
+                    </a:lnL>
+                    <a:lnR w="12700" cmpd="sng">
+                      <a:noFill/>
+                      <a:prstDash val="solid"/>
+                    </a:lnR>
+                    <a:lnT w="9525" cap="flat" cmpd="sng" algn="ctr">
+                      <a:solidFill>
+                        <a:srgbClr val="C7C6C1"/>
+                      </a:solidFill>
+                      <a:prstDash val="solid"/>
+                    </a:lnT>
+                    <a:lnB w="9525" cap="flat" cmpd="sng" algn="ctr">
+                      <a:solidFill>
+                        <a:srgbClr val="C7C6C1"/>
+                      </a:solidFill>
+                      <a:prstDash val="solid"/>
+                    </a:lnB>
+                    <a:noFill/>
+                  </a:tcPr>
+                </a:tc>
+                <a:tc>
+                  <a:txBody>
+                    <a:bodyPr/>
+                    <a:lstStyle/>
+                    <a:p>
+                      <a:r>
+                        <a:rPr lang="en-US" sz="1800">
+                          <a:solidFill>
+                            <a:schemeClr val="tx1">
+                              <a:lumMod val="75000"/>
+                              <a:lumOff val="25000"/>
+                            </a:schemeClr>
+                          </a:solidFill>
+                        </a:rPr>
+                        <a:t>Final Review and Documentation.</a:t>
+                      </a:r>
+                    </a:p>
+                  </a:txBody>
+                  <a:tcPr marL="246421" marR="184815" marT="123210" marB="123210">
+                    <a:lnL w="12700" cmpd="sng">
+                      <a:noFill/>
+                      <a:prstDash val="solid"/>
+                    </a:lnL>
+                    <a:lnR w="12700" cmpd="sng">
+                      <a:noFill/>
+                      <a:prstDash val="solid"/>
+                    </a:lnR>
+                    <a:lnT w="9525" cap="flat" cmpd="sng" algn="ctr">
+                      <a:solidFill>
+                        <a:srgbClr val="C7C6C1"/>
+                      </a:solidFill>
+                      <a:prstDash val="solid"/>
+                    </a:lnT>
+                    <a:lnB w="9525" cap="flat" cmpd="sng" algn="ctr">
+                      <a:solidFill>
+                        <a:srgbClr val="C7C6C1"/>
+                      </a:solidFill>
+                      <a:prstDash val="solid"/>
+                    </a:lnB>
+                    <a:noFill/>
+                  </a:tcPr>
+                </a:tc>
+                <a:extLst>
+                  <a:ext uri="{0D108BD9-81ED-4DB2-BD59-A6C34878D82A}">
+                    <a16:rowId xmlns:a16="http://schemas.microsoft.com/office/drawing/2014/main" val="1236698467"/>
+                  </a:ext>
+                </a:extLst>
+              </a:tr>
+            </a:tbl>
+          </a:graphicData>
+        </a:graphic>
+      </p:graphicFrame>
+    </p:spTree>
+    <p:extLst>
+      <p:ext uri="{BB962C8B-B14F-4D97-AF65-F5344CB8AC3E}">
+        <p14:creationId xmlns:p14="http://schemas.microsoft.com/office/powerpoint/2010/main" val="1730977608"/>
+      </p:ext>
+    </p:extLst>
+  </p:cSld>
+  <p:clrMapOvr>
+    <a:masterClrMapping/>
+  </p:clrMapOvr>
+</p:sld>
+</file>
+
+<file path=ppt/slides/slide13.xml><?xml version="1.0" encoding="utf-8"?>
+<p:sld xmlns:a="http://schemas.openxmlformats.org/drawingml/2006/main" xmlns:r="http://schemas.openxmlformats.org/officeDocument/2006/relationships" xmlns:p="http://schemas.openxmlformats.org/presentationml/2006/main">
+  <p:cSld>
+    <p:bg>
+      <p:bgPr>
+        <a:gradFill rotWithShape="1">
+          <a:gsLst>
+            <a:gs pos="0">
+              <a:schemeClr val="bg2">
+                <a:tint val="90000"/>
+                <a:satMod val="92000"/>
+                <a:lumMod val="120000"/>
+              </a:schemeClr>
+            </a:gs>
+            <a:gs pos="100000">
+              <a:schemeClr val="bg2">
+                <a:shade val="98000"/>
+                <a:satMod val="120000"/>
+                <a:lumMod val="98000"/>
+              </a:schemeClr>
+            </a:gs>
+          </a:gsLst>
+          <a:path path="circle">
+            <a:fillToRect l="50000" t="50000" r="100000" b="100000"/>
+          </a:path>
+        </a:gradFill>
+        <a:effectLst/>
+      </p:bgPr>
+    </p:bg>
+    <p:spTree>
+      <p:nvGrpSpPr>
+        <p:cNvPr id="1" name=""/>
+        <p:cNvGrpSpPr/>
+        <p:nvPr/>
+      </p:nvGrpSpPr>
+      <p:grpSpPr>
+        <a:xfrm>
+          <a:off x="0" y="0"/>
+          <a:ext cx="0" cy="0"/>
+          <a:chOff x="0" y="0"/>
+          <a:chExt cx="0" cy="0"/>
+        </a:xfrm>
+      </p:grpSpPr>
+      <p:sp>
+        <p:nvSpPr>
+          <p:cNvPr id="43" name="Rectangle 8">
+            <a:extLst>
+              <a:ext uri="{FF2B5EF4-FFF2-40B4-BE49-F238E27FC236}">
+                <a16:creationId xmlns:a16="http://schemas.microsoft.com/office/drawing/2014/main" id="{A3D9AEEE-1CCD-43C0-BA3E-16D60A6E23C0}"/>
+              </a:ext>
+              <a:ext uri="{C183D7F6-B498-43B3-948B-1728B52AA6E4}">
+                <adec:decorative xmlns:adec="http://schemas.microsoft.com/office/drawing/2017/decorative" val="1"/>
+              </a:ext>
+            </a:extLst>
+          </p:cNvPr>
+          <p:cNvSpPr>
+            <a:spLocks noGrp="1" noRot="1" noChangeAspect="1" noMove="1" noResize="1" noEditPoints="1" noAdjustHandles="1" noChangeArrowheads="1" noChangeShapeType="1" noTextEdit="1"/>
+          </p:cNvSpPr>
+          <p:nvPr>
+            <p:extLst>
+              <p:ext uri="{386F3935-93C4-4BCD-93E2-E3B085C9AB24}">
+                <p16:designElem xmlns:p16="http://schemas.microsoft.com/office/powerpoint/2015/main" val="1"/>
+              </p:ext>
+            </p:extLst>
+          </p:nvPr>
+        </p:nvSpPr>
+        <p:spPr>
+          <a:xfrm>
+            <a:off x="1" y="0"/>
+            <a:ext cx="4059079" cy="6858000"/>
+          </a:xfrm>
+          <a:prstGeom prst="rect">
+            <a:avLst/>
+          </a:prstGeom>
+          <a:solidFill>
+            <a:schemeClr val="tx2"/>
+          </a:solidFill>
+          <a:ln>
+            <a:noFill/>
+          </a:ln>
+        </p:spPr>
+        <p:style>
+          <a:lnRef idx="2">
+            <a:schemeClr val="accent1">
+              <a:shade val="50000"/>
+            </a:schemeClr>
+          </a:lnRef>
+          <a:fillRef idx="1">
+            <a:schemeClr val="accent1"/>
+          </a:fillRef>
+          <a:effectRef idx="0">
+            <a:schemeClr val="accent1"/>
+          </a:effectRef>
+          <a:fontRef idx="minor">
+            <a:schemeClr val="lt1"/>
+          </a:fontRef>
+        </p:style>
+        <p:txBody>
+          <a:bodyPr rtlCol="0" anchor="ctr"/>
+          <a:lstStyle/>
+          <a:p>
+            <a:pPr algn="ctr"/>
+            <a:endParaRPr lang="en-US"/>
+          </a:p>
+        </p:txBody>
+      </p:sp>
+      <p:sp>
+        <p:nvSpPr>
+          <p:cNvPr id="2" name="Title 1">
+            <a:extLst>
+              <a:ext uri="{FF2B5EF4-FFF2-40B4-BE49-F238E27FC236}">
+                <a16:creationId xmlns:a16="http://schemas.microsoft.com/office/drawing/2014/main" id="{F31A860E-E743-0FAD-ED75-F5FF09EF3205}"/>
+              </a:ext>
+            </a:extLst>
+          </p:cNvPr>
+          <p:cNvSpPr>
+            <a:spLocks noGrp="1"/>
+          </p:cNvSpPr>
+          <p:nvPr>
+            <p:ph type="title"/>
+          </p:nvPr>
+        </p:nvSpPr>
+        <p:spPr>
+          <a:xfrm>
+            <a:off x="1259893" y="3101093"/>
+            <a:ext cx="2454052" cy="3029344"/>
+          </a:xfrm>
+        </p:spPr>
+        <p:txBody>
+          <a:bodyPr>
+            <a:normAutofit/>
+          </a:bodyPr>
+          <a:lstStyle/>
+          <a:p>
+            <a:r>
+              <a:rPr lang="en-US" sz="3200" b="0" i="0">
+                <a:solidFill>
+                  <a:schemeClr val="bg1"/>
+                </a:solidFill>
+                <a:effectLst/>
+              </a:rPr>
+              <a:t>Repository / Archive</a:t>
+            </a:r>
+            <a:endParaRPr lang="en-US" sz="3200">
+              <a:solidFill>
+                <a:schemeClr val="bg1"/>
+              </a:solidFill>
+            </a:endParaRPr>
+          </a:p>
+        </p:txBody>
+      </p:sp>
+      <p:sp>
+        <p:nvSpPr>
+          <p:cNvPr id="44" name="Freeform 11">
+            <a:extLst>
+              <a:ext uri="{FF2B5EF4-FFF2-40B4-BE49-F238E27FC236}">
+                <a16:creationId xmlns:a16="http://schemas.microsoft.com/office/drawing/2014/main" id="{60F880A6-33D3-4EEC-A780-B73559B9F24C}"/>
+              </a:ext>
+              <a:ext uri="{C183D7F6-B498-43B3-948B-1728B52AA6E4}">
+                <adec:decorative xmlns:adec="http://schemas.microsoft.com/office/drawing/2017/decorative" val="1"/>
+              </a:ext>
+            </a:extLst>
+          </p:cNvPr>
+          <p:cNvSpPr>
+            <a:spLocks noGrp="1" noRot="1" noChangeAspect="1" noMove="1" noResize="1" noEditPoints="1" noAdjustHandles="1" noChangeArrowheads="1" noChangeShapeType="1" noTextEdit="1"/>
+          </p:cNvSpPr>
+          <p:nvPr>
+            <p:extLst>
+              <p:ext uri="{386F3935-93C4-4BCD-93E2-E3B085C9AB24}">
+                <p16:designElem xmlns:p16="http://schemas.microsoft.com/office/powerpoint/2015/main" val="1"/>
+              </p:ext>
+            </p:extLst>
+          </p:nvPr>
+        </p:nvSpPr>
+        <p:spPr bwMode="auto">
+          <a:xfrm flipV="1">
+            <a:off x="-159" y="3179901"/>
+            <a:ext cx="1098194" cy="514066"/>
+          </a:xfrm>
+          <a:custGeom>
+            <a:avLst/>
+            <a:gdLst>
+              <a:gd name="connsiteX0" fmla="*/ 10000 w 10044"/>
+              <a:gd name="connsiteY0" fmla="*/ 4701 h 9966"/>
+              <a:gd name="connsiteX1" fmla="*/ 8559 w 10044"/>
+              <a:gd name="connsiteY1" fmla="*/ 188 h 9966"/>
+              <a:gd name="connsiteX2" fmla="*/ 8527 w 10044"/>
+              <a:gd name="connsiteY2" fmla="*/ 94 h 9966"/>
+              <a:gd name="connsiteX3" fmla="*/ 8438 w 10044"/>
+              <a:gd name="connsiteY3" fmla="*/ 0 h 9966"/>
+              <a:gd name="connsiteX4" fmla="*/ 7867 w 10044"/>
+              <a:gd name="connsiteY4" fmla="*/ 0 h 9966"/>
+              <a:gd name="connsiteX5" fmla="*/ 0 w 10044"/>
+              <a:gd name="connsiteY5" fmla="*/ 70 h 9966"/>
+              <a:gd name="connsiteX6" fmla="*/ 3132 w 10044"/>
+              <a:gd name="connsiteY6" fmla="*/ 9763 h 9966"/>
+              <a:gd name="connsiteX7" fmla="*/ 7867 w 10044"/>
+              <a:gd name="connsiteY7" fmla="*/ 9966 h 9966"/>
+              <a:gd name="connsiteX8" fmla="*/ 8438 w 10044"/>
+              <a:gd name="connsiteY8" fmla="*/ 9966 h 9966"/>
+              <a:gd name="connsiteX9" fmla="*/ 8527 w 10044"/>
+              <a:gd name="connsiteY9" fmla="*/ 9872 h 9966"/>
+              <a:gd name="connsiteX10" fmla="*/ 8559 w 10044"/>
+              <a:gd name="connsiteY10" fmla="*/ 9778 h 9966"/>
+              <a:gd name="connsiteX11" fmla="*/ 10000 w 10044"/>
+              <a:gd name="connsiteY11" fmla="*/ 5265 h 9966"/>
+              <a:gd name="connsiteX12" fmla="*/ 10000 w 10044"/>
+              <a:gd name="connsiteY12" fmla="*/ 4701 h 9966"/>
+              <a:gd name="connsiteX0" fmla="*/ 6839 w 6883"/>
+              <a:gd name="connsiteY0" fmla="*/ 4885 h 10168"/>
+              <a:gd name="connsiteX1" fmla="*/ 5405 w 6883"/>
+              <a:gd name="connsiteY1" fmla="*/ 357 h 10168"/>
+              <a:gd name="connsiteX2" fmla="*/ 5373 w 6883"/>
+              <a:gd name="connsiteY2" fmla="*/ 262 h 10168"/>
+              <a:gd name="connsiteX3" fmla="*/ 5284 w 6883"/>
+              <a:gd name="connsiteY3" fmla="*/ 168 h 10168"/>
+              <a:gd name="connsiteX4" fmla="*/ 4716 w 6883"/>
+              <a:gd name="connsiteY4" fmla="*/ 168 h 10168"/>
+              <a:gd name="connsiteX5" fmla="*/ 50 w 6883"/>
+              <a:gd name="connsiteY5" fmla="*/ 0 h 10168"/>
+              <a:gd name="connsiteX6" fmla="*/ 1 w 6883"/>
+              <a:gd name="connsiteY6" fmla="*/ 9964 h 10168"/>
+              <a:gd name="connsiteX7" fmla="*/ 4716 w 6883"/>
+              <a:gd name="connsiteY7" fmla="*/ 10168 h 10168"/>
+              <a:gd name="connsiteX8" fmla="*/ 5284 w 6883"/>
+              <a:gd name="connsiteY8" fmla="*/ 10168 h 10168"/>
+              <a:gd name="connsiteX9" fmla="*/ 5373 w 6883"/>
+              <a:gd name="connsiteY9" fmla="*/ 10074 h 10168"/>
+              <a:gd name="connsiteX10" fmla="*/ 5405 w 6883"/>
+              <a:gd name="connsiteY10" fmla="*/ 9979 h 10168"/>
+              <a:gd name="connsiteX11" fmla="*/ 6839 w 6883"/>
+              <a:gd name="connsiteY11" fmla="*/ 5451 h 10168"/>
+              <a:gd name="connsiteX12" fmla="*/ 6839 w 6883"/>
+              <a:gd name="connsiteY12" fmla="*/ 4885 h 10168"/>
+            </a:gdLst>
+            <a:ahLst/>
+            <a:cxnLst>
+              <a:cxn ang="0">
+                <a:pos x="connsiteX0" y="connsiteY0"/>
+              </a:cxn>
+              <a:cxn ang="0">
+                <a:pos x="connsiteX1" y="connsiteY1"/>
+              </a:cxn>
+              <a:cxn ang="0">
+                <a:pos x="connsiteX2" y="connsiteY2"/>
+              </a:cxn>
+              <a:cxn ang="0">
+                <a:pos x="connsiteX3" y="connsiteY3"/>
+              </a:cxn>
+              <a:cxn ang="0">
+                <a:pos x="connsiteX4" y="connsiteY4"/>
+              </a:cxn>
+              <a:cxn ang="0">
+                <a:pos x="connsiteX5" y="connsiteY5"/>
+              </a:cxn>
+              <a:cxn ang="0">
+                <a:pos x="connsiteX6" y="connsiteY6"/>
+              </a:cxn>
+              <a:cxn ang="0">
+                <a:pos x="connsiteX7" y="connsiteY7"/>
+              </a:cxn>
+              <a:cxn ang="0">
+                <a:pos x="connsiteX8" y="connsiteY8"/>
+              </a:cxn>
+              <a:cxn ang="0">
+                <a:pos x="connsiteX9" y="connsiteY9"/>
+              </a:cxn>
+              <a:cxn ang="0">
+                <a:pos x="connsiteX10" y="connsiteY10"/>
+              </a:cxn>
+              <a:cxn ang="0">
+                <a:pos x="connsiteX11" y="connsiteY11"/>
+              </a:cxn>
+              <a:cxn ang="0">
+                <a:pos x="connsiteX12" y="connsiteY12"/>
+              </a:cxn>
+            </a:cxnLst>
+            <a:rect l="l" t="t" r="r" b="b"/>
+            <a:pathLst>
+              <a:path w="6883" h="10168">
+                <a:moveTo>
+                  <a:pt x="6839" y="4885"/>
+                </a:moveTo>
+                <a:lnTo>
+                  <a:pt x="5405" y="357"/>
+                </a:lnTo>
+                <a:cubicBezTo>
+                  <a:pt x="5395" y="325"/>
+                  <a:pt x="5383" y="294"/>
+                  <a:pt x="5373" y="262"/>
+                </a:cubicBezTo>
+                <a:cubicBezTo>
+                  <a:pt x="5344" y="168"/>
+                  <a:pt x="5314" y="168"/>
+                  <a:pt x="5284" y="168"/>
+                </a:cubicBezTo>
+                <a:lnTo>
+                  <a:pt x="4716" y="168"/>
+                </a:lnTo>
+                <a:lnTo>
+                  <a:pt x="50" y="0"/>
+                </a:lnTo>
+                <a:cubicBezTo>
+                  <a:pt x="59" y="3322"/>
+                  <a:pt x="-8" y="6643"/>
+                  <a:pt x="1" y="9964"/>
+                </a:cubicBezTo>
+                <a:lnTo>
+                  <a:pt x="4716" y="10168"/>
+                </a:lnTo>
+                <a:lnTo>
+                  <a:pt x="5284" y="10168"/>
+                </a:lnTo>
+                <a:cubicBezTo>
+                  <a:pt x="5314" y="10168"/>
+                  <a:pt x="5344" y="10074"/>
+                  <a:pt x="5373" y="10074"/>
+                </a:cubicBezTo>
+                <a:cubicBezTo>
+                  <a:pt x="5373" y="9979"/>
+                  <a:pt x="5405" y="9979"/>
+                  <a:pt x="5405" y="9979"/>
+                </a:cubicBezTo>
+                <a:lnTo>
+                  <a:pt x="6839" y="5451"/>
+                </a:lnTo>
+                <a:cubicBezTo>
+                  <a:pt x="6898" y="5262"/>
+                  <a:pt x="6898" y="5074"/>
+                  <a:pt x="6839" y="4885"/>
+                </a:cubicBezTo>
+                <a:close/>
+              </a:path>
+            </a:pathLst>
+          </a:custGeom>
+          <a:solidFill>
+            <a:schemeClr val="accent1"/>
+          </a:solidFill>
+          <a:ln>
+            <a:noFill/>
+          </a:ln>
+        </p:spPr>
+      </p:sp>
+      <p:sp useBgFill="1">
+        <p:nvSpPr>
+          <p:cNvPr id="13" name="Rectangle 12">
+            <a:extLst>
+              <a:ext uri="{FF2B5EF4-FFF2-40B4-BE49-F238E27FC236}">
+                <a16:creationId xmlns:a16="http://schemas.microsoft.com/office/drawing/2014/main" id="{2C6246ED-0535-4496-A8F6-1E80CC4EB853}"/>
+              </a:ext>
+              <a:ext uri="{C183D7F6-B498-43B3-948B-1728B52AA6E4}">
+                <adec:decorative xmlns:adec="http://schemas.microsoft.com/office/drawing/2017/decorative" val="1"/>
+              </a:ext>
+            </a:extLst>
+          </p:cNvPr>
+          <p:cNvSpPr>
+            <a:spLocks noGrp="1" noRot="1" noChangeAspect="1" noMove="1" noResize="1" noEditPoints="1" noAdjustHandles="1" noChangeArrowheads="1" noChangeShapeType="1" noTextEdit="1"/>
+          </p:cNvSpPr>
+          <p:nvPr>
+            <p:extLst>
+              <p:ext uri="{386F3935-93C4-4BCD-93E2-E3B085C9AB24}">
+                <p16:designElem xmlns:p16="http://schemas.microsoft.com/office/powerpoint/2015/main" val="1"/>
+              </p:ext>
+            </p:extLst>
+          </p:nvPr>
+        </p:nvSpPr>
+        <p:spPr>
+          <a:xfrm>
+            <a:off x="4795736" y="0"/>
+            <a:ext cx="7396264" cy="6858000"/>
+          </a:xfrm>
+          <a:prstGeom prst="rect">
+            <a:avLst/>
+          </a:prstGeom>
+          <a:ln>
+            <a:noFill/>
+          </a:ln>
+        </p:spPr>
+        <p:style>
+          <a:lnRef idx="2">
+            <a:schemeClr val="accent1">
+              <a:shade val="50000"/>
+            </a:schemeClr>
+          </a:lnRef>
+          <a:fillRef idx="1">
+            <a:schemeClr val="accent1"/>
+          </a:fillRef>
+          <a:effectRef idx="0">
+            <a:schemeClr val="accent1"/>
+          </a:effectRef>
+          <a:fontRef idx="minor">
+            <a:schemeClr val="lt1"/>
+          </a:fontRef>
+        </p:style>
+        <p:txBody>
+          <a:bodyPr rtlCol="0" anchor="ctr"/>
+          <a:lstStyle/>
+          <a:p>
+            <a:pPr algn="ctr"/>
+            <a:endParaRPr lang="en-US"/>
+          </a:p>
+        </p:txBody>
+      </p:sp>
+      <p:graphicFrame>
+        <p:nvGraphicFramePr>
+          <p:cNvPr id="45" name="Content Placeholder 2">
+            <a:extLst>
+              <a:ext uri="{FF2B5EF4-FFF2-40B4-BE49-F238E27FC236}">
+                <a16:creationId xmlns:a16="http://schemas.microsoft.com/office/drawing/2014/main" id="{8A0FD20A-36ED-0D0E-265A-A197AFEED505}"/>
+              </a:ext>
+            </a:extLst>
+          </p:cNvPr>
+          <p:cNvGraphicFramePr>
+            <a:graphicFrameLocks noGrp="1"/>
+          </p:cNvGraphicFramePr>
+          <p:nvPr>
+            <p:ph idx="1"/>
+            <p:extLst>
+              <p:ext uri="{D42A27DB-BD31-4B8C-83A1-F6EECF244321}">
+                <p14:modId xmlns:p14="http://schemas.microsoft.com/office/powerpoint/2010/main" val="2729726395"/>
+              </p:ext>
+            </p:extLst>
+          </p:nvPr>
+        </p:nvGraphicFramePr>
+        <p:xfrm>
+          <a:off x="4713144" y="641551"/>
+          <a:ext cx="6832212" cy="5264779"/>
+        </p:xfrm>
+        <a:graphic>
+          <a:graphicData uri="http://schemas.openxmlformats.org/drawingml/2006/diagram">
+            <dgm:relIds xmlns:dgm="http://schemas.openxmlformats.org/drawingml/2006/diagram" xmlns:r="http://schemas.openxmlformats.org/officeDocument/2006/relationships" r:dm="rId2" r:lo="rId3" r:qs="rId4" r:cs="rId5"/>
+          </a:graphicData>
+        </a:graphic>
+      </p:graphicFrame>
+    </p:spTree>
+    <p:extLst>
+      <p:ext uri="{BB962C8B-B14F-4D97-AF65-F5344CB8AC3E}">
+        <p14:creationId xmlns:p14="http://schemas.microsoft.com/office/powerpoint/2010/main" val="879591160"/>
+      </p:ext>
+    </p:extLst>
+  </p:cSld>
+  <p:clrMapOvr>
+    <a:masterClrMapping/>
+  </p:clrMapOvr>
+</p:sld>
+</file>
+
+<file path=ppt/slides/slide14.xml><?xml version="1.0" encoding="utf-8"?>
+<p:sld xmlns:a="http://schemas.openxmlformats.org/drawingml/2006/main" xmlns:r="http://schemas.openxmlformats.org/officeDocument/2006/relationships" xmlns:p="http://schemas.openxmlformats.org/presentationml/2006/main">
+  <p:cSld>
+    <p:bg>
+      <p:bgPr>
+        <a:gradFill rotWithShape="1">
+          <a:gsLst>
+            <a:gs pos="0">
+              <a:schemeClr val="bg2">
+                <a:tint val="90000"/>
+                <a:satMod val="92000"/>
+                <a:lumMod val="120000"/>
+              </a:schemeClr>
+            </a:gs>
+            <a:gs pos="100000">
+              <a:schemeClr val="bg2">
+                <a:shade val="98000"/>
+                <a:satMod val="120000"/>
+                <a:lumMod val="98000"/>
+              </a:schemeClr>
+            </a:gs>
+          </a:gsLst>
+          <a:path path="circle">
+            <a:fillToRect l="50000" t="50000" r="100000" b="100000"/>
+          </a:path>
+        </a:gradFill>
+        <a:effectLst/>
+      </p:bgPr>
+    </p:bg>
+    <p:spTree>
+      <p:nvGrpSpPr>
+        <p:cNvPr id="1" name=""/>
+        <p:cNvGrpSpPr/>
+        <p:nvPr/>
+      </p:nvGrpSpPr>
+      <p:grpSpPr>
+        <a:xfrm>
+          <a:off x="0" y="0"/>
+          <a:ext cx="0" cy="0"/>
+          <a:chOff x="0" y="0"/>
+          <a:chExt cx="0" cy="0"/>
+        </a:xfrm>
+      </p:grpSpPr>
       <p:sp useBgFill="1">
         <p:nvSpPr>
           <p:cNvPr id="57" name="Rectangle 56">
@@ -23664,7 +25388,7 @@
 </p:sld>
 </file>
 
-<file path=ppt/slides/slide11.xml><?xml version="1.0" encoding="utf-8"?>
+<file path=ppt/slides/slide15.xml><?xml version="1.0" encoding="utf-8"?>
 <p:sld xmlns:a="http://schemas.openxmlformats.org/drawingml/2006/main" xmlns:r="http://schemas.openxmlformats.org/officeDocument/2006/relationships" xmlns:p="http://schemas.openxmlformats.org/presentationml/2006/main">
   <p:cSld>
     <p:spTree>
@@ -23749,7 +25473,7 @@
 </p:sld>
 </file>
 
-<file path=ppt/slides/slide12.xml><?xml version="1.0" encoding="utf-8"?>
+<file path=ppt/slides/slide16.xml><?xml version="1.0" encoding="utf-8"?>
 <p:sld xmlns:a="http://schemas.openxmlformats.org/drawingml/2006/main" xmlns:r="http://schemas.openxmlformats.org/officeDocument/2006/relationships" xmlns:p="http://schemas.openxmlformats.org/presentationml/2006/main">
   <p:cSld>
     <p:bg>
@@ -24111,7 +25835,30 @@
           </a:bodyPr>
           <a:lstStyle/>
           <a:p>
-            <a:endParaRPr lang="en-US"/>
+            <a:r>
+              <a:rPr lang="en-US" dirty="0" err="1"/>
+              <a:t>Github</a:t>
+            </a:r>
+            <a:r>
+              <a:rPr lang="en-US" dirty="0"/>
+              <a:t>:-https://</a:t>
+            </a:r>
+            <a:r>
+              <a:rPr lang="en-US" dirty="0" err="1"/>
+              <a:t>github.com</a:t>
+            </a:r>
+            <a:r>
+              <a:rPr lang="en-US" dirty="0"/>
+              <a:t>/</a:t>
+            </a:r>
+            <a:r>
+              <a:rPr lang="en-US" dirty="0" err="1"/>
+              <a:t>SaiSashankYalamarthi</a:t>
+            </a:r>
+            <a:r>
+              <a:rPr lang="en-US" dirty="0"/>
+              <a:t>/Analyzing-the-Impact-of-Influencers-on-Marketing-campaigns-</a:t>
+            </a:r>
           </a:p>
         </p:txBody>
       </p:sp>
@@ -24586,7 +26333,7 @@
                 <a:effectLst/>
                 <a:latin typeface="+mj-lt"/>
               </a:rPr>
-              <a:t>This study aims to investigate the impact of influencers on marketing activities by analyzing data collected from various social media platforms. Specifically, the project will focus on the period between March and December 2022, and will use information such as follower counts, engagement rates, and brand collaborations to evaluate the success of marketing campaigns. Through regression analysis and ANOVA, the project will assess the relationship between influencer characteristics and the effectiveness of marketing campaigns and will also compare the performance of different tiers of influencers. The study will also explore the influence of product categories and individual influencers on consumer perceptions of the brand. By utilizing data visualization techniques, the study seeks to provide actionable insights to brands seeking to integrate influencer marketing into their marketing strategy, while also contributing to the existing body of research in this area.</a:t>
+              <a:t>This study aims to investigate the impact of influencers on marketing activities by analyzing data collected from various social media platforms. Specifically, the project will focus on the period between March and December 2022, and will use information such as follower counts, engagement rates, and brand collaborations to evaluate the success of marketing campaigns. Through regression analysis and correlation analysis, the project will assess the relationship between influencer characteristics and the effectiveness of marketing campaigns and will also compare the performance of different tiers of influencers. The study will also explore the influence of product categories and individual influencers on consumer perceptions of the brand. By utilizing data visualization techniques, the study seeks to provide actionable insights to brands seeking to integrate influencer marketing into their marketing strategy, while also contributing to the existing body of research in this area.</a:t>
             </a:r>
             <a:endParaRPr lang="en-US" sz="1600" dirty="0">
               <a:latin typeface="+mj-lt"/>
@@ -24747,7 +26494,29 @@
                 <a:latin typeface="Times New Roman" panose="02020603050405020304" pitchFamily="18" charset="0"/>
                 <a:cs typeface="Times New Roman" panose="02020603050405020304" pitchFamily="18" charset="0"/>
               </a:rPr>
-              <a:t>The data provided is a list of Instagram influencers and their related information, including their username, category, number of followers, audience country, and engagement statistics. This data can be used for various purposes, such as analyzing influencer performance and understanding factors that contribute to sales generated from marketing. Statistical tools such as descriptive statistics, visualization, correlation analysis, regression analysis, ANOVA, and t-test can be used to analyze the data. The given data provides a valuable resource for conducting exploratory data analysis and identifying insights related to social media influencer marketing.</a:t>
+              <a:t>The data provided is a list of Instagram influencers and their related information, including their username, category, number of followers, audience country, and engagement statistics. This data can be used for various purposes, such as analyzing influencer performance and understanding factors that contribute to sales generated from marketing. Statistical tools such as descriptive statistics, visualization, correlation analysis, regression </a:t>
+            </a:r>
+            <a:r>
+              <a:rPr lang="en-US" b="0" i="0" dirty="0" err="1">
+                <a:solidFill>
+                  <a:schemeClr val="tx1"/>
+                </a:solidFill>
+                <a:effectLst/>
+                <a:latin typeface="Times New Roman" panose="02020603050405020304" pitchFamily="18" charset="0"/>
+                <a:cs typeface="Times New Roman" panose="02020603050405020304" pitchFamily="18" charset="0"/>
+              </a:rPr>
+              <a:t>analysiscan</a:t>
+            </a:r>
+            <a:r>
+              <a:rPr lang="en-US" b="0" i="0" dirty="0">
+                <a:solidFill>
+                  <a:schemeClr val="tx1"/>
+                </a:solidFill>
+                <a:effectLst/>
+                <a:latin typeface="Times New Roman" panose="02020603050405020304" pitchFamily="18" charset="0"/>
+                <a:cs typeface="Times New Roman" panose="02020603050405020304" pitchFamily="18" charset="0"/>
+              </a:rPr>
+              <a:t> be used to analyze the data. The given data provides a valuable resource for conducting exploratory data analysis and identifying insights related to social media influencer marketing.</a:t>
             </a:r>
             <a:endParaRPr lang="en-US" dirty="0">
               <a:solidFill>
@@ -27046,69 +28815,6 @@
                 <a:effectLst/>
                 <a:latin typeface="+mj-lt"/>
               </a:rPr>
-              <a:t>Total number of posts</a:t>
-            </a:r>
-          </a:p>
-          <a:p>
-            <a:pPr marL="742950" lvl="1" indent="-285750">
-              <a:lnSpc>
-                <a:spcPct val="90000"/>
-              </a:lnSpc>
-              <a:buFont typeface="Arial" panose="020B0604020202020204" pitchFamily="34" charset="0"/>
-              <a:buChar char="•"/>
-            </a:pPr>
-            <a:r>
-              <a:rPr lang="en-US" b="0" i="0" dirty="0">
-                <a:solidFill>
-                  <a:schemeClr val="tx2">
-                    <a:lumMod val="75000"/>
-                  </a:schemeClr>
-                </a:solidFill>
-                <a:effectLst/>
-                <a:latin typeface="+mj-lt"/>
-              </a:rPr>
-              <a:t>Average likes per post</a:t>
-            </a:r>
-          </a:p>
-          <a:p>
-            <a:pPr marL="742950" lvl="1" indent="-285750">
-              <a:lnSpc>
-                <a:spcPct val="90000"/>
-              </a:lnSpc>
-              <a:buFont typeface="Arial" panose="020B0604020202020204" pitchFamily="34" charset="0"/>
-              <a:buChar char="•"/>
-            </a:pPr>
-            <a:r>
-              <a:rPr lang="en-US" b="0" i="0" dirty="0">
-                <a:solidFill>
-                  <a:schemeClr val="tx2">
-                    <a:lumMod val="75000"/>
-                  </a:schemeClr>
-                </a:solidFill>
-                <a:effectLst/>
-                <a:latin typeface="+mj-lt"/>
-              </a:rPr>
-              <a:t>Average comments per post</a:t>
-            </a:r>
-          </a:p>
-          <a:p>
-            <a:pPr marL="742950" lvl="1" indent="-285750">
-              <a:lnSpc>
-                <a:spcPct val="90000"/>
-              </a:lnSpc>
-              <a:buFont typeface="Arial" panose="020B0604020202020204" pitchFamily="34" charset="0"/>
-              <a:buChar char="•"/>
-            </a:pPr>
-            <a:r>
-              <a:rPr lang="en-US" b="0" i="0" dirty="0">
-                <a:solidFill>
-                  <a:schemeClr val="tx2">
-                    <a:lumMod val="75000"/>
-                  </a:schemeClr>
-                </a:solidFill>
-                <a:effectLst/>
-                <a:latin typeface="+mj-lt"/>
-              </a:rPr>
               <a:t>Follower growth rate</a:t>
             </a:r>
           </a:p>
@@ -27174,6 +28880,24 @@
               </a:rPr>
               <a:t>Number: 1000 influencers</a:t>
             </a:r>
+          </a:p>
+          <a:p>
+            <a:pPr marL="742950" lvl="1" indent="-285750">
+              <a:lnSpc>
+                <a:spcPct val="90000"/>
+              </a:lnSpc>
+              <a:buFont typeface="Arial" panose="020B0604020202020204" pitchFamily="34" charset="0"/>
+              <a:buChar char="•"/>
+            </a:pPr>
+            <a:endParaRPr lang="en-US" b="0" i="0" dirty="0">
+              <a:solidFill>
+                <a:schemeClr val="tx2">
+                  <a:lumMod val="75000"/>
+                </a:schemeClr>
+              </a:solidFill>
+              <a:effectLst/>
+              <a:latin typeface="+mj-lt"/>
+            </a:endParaRPr>
           </a:p>
           <a:p>
             <a:pPr>
@@ -30060,10 +31784,10 @@
       </p:grpSpPr>
       <p:sp useBgFill="1">
         <p:nvSpPr>
-          <p:cNvPr id="24" name="Rectangle 23">
+          <p:cNvPr id="11" name="Rectangle 10">
             <a:extLst>
               <a:ext uri="{FF2B5EF4-FFF2-40B4-BE49-F238E27FC236}">
-                <a16:creationId xmlns:a16="http://schemas.microsoft.com/office/drawing/2014/main" id="{1EDD21E1-BAF0-4314-AB31-82ECB8AC9EA9}"/>
+                <a16:creationId xmlns:a16="http://schemas.microsoft.com/office/drawing/2014/main" id="{93262980-E907-4930-9E6E-3DC2025CE757}"/>
               </a:ext>
               <a:ext uri="{C183D7F6-B498-43B3-948B-1728B52AA6E4}">
                 <adec:decorative xmlns:adec="http://schemas.microsoft.com/office/drawing/2017/decorative" val="1"/>
@@ -30123,7 +31847,7 @@
           <p:cNvPr id="2" name="Title 1">
             <a:extLst>
               <a:ext uri="{FF2B5EF4-FFF2-40B4-BE49-F238E27FC236}">
-                <a16:creationId xmlns:a16="http://schemas.microsoft.com/office/drawing/2014/main" id="{B6E851D5-C0C4-F7D2-57D6-446C4F7F531F}"/>
+                <a16:creationId xmlns:a16="http://schemas.microsoft.com/office/drawing/2014/main" id="{B4EB0BF3-C7F5-0788-5EC9-9002549FB297}"/>
               </a:ext>
             </a:extLst>
           </p:cNvPr>
@@ -30137,7 +31861,7 @@
         <p:spPr>
           <a:xfrm>
             <a:off x="649224" y="645106"/>
-            <a:ext cx="5122652" cy="1259894"/>
+            <a:ext cx="3650279" cy="1259894"/>
           </a:xfrm>
         </p:spPr>
         <p:txBody>
@@ -30147,18 +31871,22 @@
           <a:lstStyle/>
           <a:p>
             <a:r>
-              <a:rPr lang="en-US" dirty="0"/>
-              <a:t>Milestones </a:t>
+              <a:rPr lang="en-US">
+                <a:solidFill>
+                  <a:srgbClr val="4C517D"/>
+                </a:solidFill>
+              </a:rPr>
+              <a:t>Exploratory data analysis</a:t>
             </a:r>
           </a:p>
         </p:txBody>
       </p:sp>
       <p:sp>
         <p:nvSpPr>
-          <p:cNvPr id="26" name="Rectangle 25">
+          <p:cNvPr id="13" name="Rectangle 12">
             <a:extLst>
               <a:ext uri="{FF2B5EF4-FFF2-40B4-BE49-F238E27FC236}">
-                <a16:creationId xmlns:a16="http://schemas.microsoft.com/office/drawing/2014/main" id="{FDC8619C-F25D-468E-95FA-2A2151D7DDD2}"/>
+                <a16:creationId xmlns:a16="http://schemas.microsoft.com/office/drawing/2014/main" id="{AFD53EBD-B361-45AD-8ABF-9270B20B4AFE}"/>
               </a:ext>
               <a:ext uri="{C183D7F6-B498-43B3-948B-1728B52AA6E4}">
                 <adec:decorative xmlns:adec="http://schemas.microsoft.com/office/drawing/2017/decorative" val="1"/>
@@ -30185,7 +31913,7 @@
             <a:avLst/>
           </a:prstGeom>
           <a:solidFill>
-            <a:schemeClr val="tx2"/>
+            <a:srgbClr val="4C517D"/>
           </a:solidFill>
           <a:ln>
             <a:noFill/>
@@ -30209,10 +31937,10 @@
       </p:sp>
       <p:sp>
         <p:nvSpPr>
-          <p:cNvPr id="9" name="Content Placeholder 8">
+          <p:cNvPr id="8" name="Content Placeholder 7">
             <a:extLst>
               <a:ext uri="{FF2B5EF4-FFF2-40B4-BE49-F238E27FC236}">
-                <a16:creationId xmlns:a16="http://schemas.microsoft.com/office/drawing/2014/main" id="{857E1827-50FC-DD17-A718-060184C0BC59}"/>
+                <a16:creationId xmlns:a16="http://schemas.microsoft.com/office/drawing/2014/main" id="{B9BBE22C-5003-2D03-A4F8-1BEE7998D5E6}"/>
               </a:ext>
             </a:extLst>
           </p:cNvPr>
@@ -30226,7 +31954,7 @@
         <p:spPr>
           <a:xfrm>
             <a:off x="649225" y="2133600"/>
-            <a:ext cx="5122652" cy="3759253"/>
+            <a:ext cx="3650278" cy="3759253"/>
           </a:xfrm>
         </p:spPr>
         <p:txBody>
@@ -30235,16 +31963,21 @@
           </a:bodyPr>
           <a:lstStyle/>
           <a:p>
+            <a:pPr>
+              <a:buClr>
+                <a:srgbClr val="6A9AFE"/>
+              </a:buClr>
+            </a:pPr>
             <a:endParaRPr lang="en-US"/>
           </a:p>
         </p:txBody>
       </p:sp>
       <p:sp>
         <p:nvSpPr>
-          <p:cNvPr id="28" name="Freeform 12">
+          <p:cNvPr id="15" name="Freeform 11">
             <a:extLst>
               <a:ext uri="{FF2B5EF4-FFF2-40B4-BE49-F238E27FC236}">
-                <a16:creationId xmlns:a16="http://schemas.microsoft.com/office/drawing/2014/main" id="{7D9439D6-DEAD-4CEB-A61B-BE3D64D1B598}"/>
+                <a16:creationId xmlns:a16="http://schemas.microsoft.com/office/drawing/2014/main" id="{DA1A4CE7-6399-4B37-ACE2-CFC4B4077B51}"/>
               </a:ext>
               <a:ext uri="{C183D7F6-B498-43B3-948B-1728B52AA6E4}">
                 <adec:decorative xmlns:adec="http://schemas.microsoft.com/office/drawing/2017/decorative" val="1"/>
@@ -30456,529 +32189,39 @@
           </a:p>
         </p:txBody>
       </p:sp>
-      <p:graphicFrame>
-        <p:nvGraphicFramePr>
-          <p:cNvPr id="7" name="Content Placeholder 3">
+      <p:pic>
+        <p:nvPicPr>
+          <p:cNvPr id="4" name="Content Placeholder 3" descr="Chart, treemap chart&#10;&#10;Description automatically generated">
             <a:extLst>
               <a:ext uri="{FF2B5EF4-FFF2-40B4-BE49-F238E27FC236}">
-                <a16:creationId xmlns:a16="http://schemas.microsoft.com/office/drawing/2014/main" id="{EE76CFD8-F39D-540B-8440-E7F7E19CC1C3}"/>
+                <a16:creationId xmlns:a16="http://schemas.microsoft.com/office/drawing/2014/main" id="{075FB779-4119-73E3-A867-634CC4CF0A7C}"/>
               </a:ext>
             </a:extLst>
           </p:cNvPr>
-          <p:cNvGraphicFramePr>
-            <a:graphicFrameLocks/>
-          </p:cNvGraphicFramePr>
-          <p:nvPr>
-            <p:extLst>
-              <p:ext uri="{D42A27DB-BD31-4B8C-83A1-F6EECF244321}">
-                <p14:modId xmlns:p14="http://schemas.microsoft.com/office/powerpoint/2010/main" val="4041801216"/>
-              </p:ext>
-            </p:extLst>
-          </p:nvPr>
-        </p:nvGraphicFramePr>
-        <p:xfrm>
-          <a:off x="6091916" y="1359220"/>
-          <a:ext cx="5451628" cy="4051920"/>
-        </p:xfrm>
-        <a:graphic>
-          <a:graphicData uri="http://schemas.openxmlformats.org/drawingml/2006/table">
-            <a:tbl>
-              <a:tblPr firstRow="1" bandRow="1">
-                <a:noFill/>
-                <a:tableStyleId>{5C22544A-7EE6-4342-B048-85BDC9FD1C3A}</a:tableStyleId>
-              </a:tblPr>
-              <a:tblGrid>
-                <a:gridCol w="1533284">
-                  <a:extLst>
-                    <a:ext uri="{9D8B030D-6E8A-4147-A177-3AD203B41FA5}">
-                      <a16:colId xmlns:a16="http://schemas.microsoft.com/office/drawing/2014/main" val="424739740"/>
-                    </a:ext>
-                  </a:extLst>
-                </a:gridCol>
-                <a:gridCol w="3918344">
-                  <a:extLst>
-                    <a:ext uri="{9D8B030D-6E8A-4147-A177-3AD203B41FA5}">
-                      <a16:colId xmlns:a16="http://schemas.microsoft.com/office/drawing/2014/main" val="2918670442"/>
-                    </a:ext>
-                  </a:extLst>
-                </a:gridCol>
-              </a:tblGrid>
-              <a:tr h="1034967">
-                <a:tc>
-                  <a:txBody>
-                    <a:bodyPr/>
-                    <a:lstStyle/>
-                    <a:p>
-                      <a:r>
-                        <a:rPr lang="en-US" sz="2400" b="1">
-                          <a:solidFill>
-                            <a:schemeClr val="tx1">
-                              <a:lumMod val="75000"/>
-                              <a:lumOff val="25000"/>
-                            </a:schemeClr>
-                          </a:solidFill>
-                        </a:rPr>
-                        <a:t>WEEK NO.</a:t>
-                      </a:r>
-                    </a:p>
-                  </a:txBody>
-                  <a:tcPr marL="246421" marR="184815" marT="123210" marB="123210">
-                    <a:lnL w="12700" cmpd="sng">
-                      <a:noFill/>
-                      <a:prstDash val="solid"/>
-                    </a:lnL>
-                    <a:lnR w="12700" cmpd="sng">
-                      <a:noFill/>
-                      <a:prstDash val="solid"/>
-                    </a:lnR>
-                    <a:lnT w="9525" cap="flat" cmpd="sng" algn="ctr">
-                      <a:noFill/>
-                      <a:prstDash val="solid"/>
-                    </a:lnT>
-                    <a:lnB w="9525" cap="flat" cmpd="sng" algn="ctr">
-                      <a:solidFill>
-                        <a:srgbClr val="C7C6C1"/>
-                      </a:solidFill>
-                      <a:prstDash val="solid"/>
-                    </a:lnB>
-                    <a:noFill/>
-                  </a:tcPr>
-                </a:tc>
-                <a:tc>
-                  <a:txBody>
-                    <a:bodyPr/>
-                    <a:lstStyle/>
-                    <a:p>
-                      <a:r>
-                        <a:rPr lang="en-US" sz="2400" b="1">
-                          <a:solidFill>
-                            <a:schemeClr val="tx1">
-                              <a:lumMod val="75000"/>
-                              <a:lumOff val="25000"/>
-                            </a:schemeClr>
-                          </a:solidFill>
-                        </a:rPr>
-                        <a:t>TASK/MILESTONE </a:t>
-                      </a:r>
-                    </a:p>
-                  </a:txBody>
-                  <a:tcPr marL="246421" marR="184815" marT="123210" marB="123210">
-                    <a:lnL w="12700" cmpd="sng">
-                      <a:noFill/>
-                      <a:prstDash val="solid"/>
-                    </a:lnL>
-                    <a:lnR w="12700" cmpd="sng">
-                      <a:noFill/>
-                      <a:prstDash val="solid"/>
-                    </a:lnR>
-                    <a:lnT w="9525" cap="flat" cmpd="sng" algn="ctr">
-                      <a:noFill/>
-                      <a:prstDash val="solid"/>
-                    </a:lnT>
-                    <a:lnB w="9525" cap="flat" cmpd="sng" algn="ctr">
-                      <a:solidFill>
-                        <a:srgbClr val="C7C6C1"/>
-                      </a:solidFill>
-                      <a:prstDash val="solid"/>
-                    </a:lnB>
-                    <a:noFill/>
-                  </a:tcPr>
-                </a:tc>
-                <a:extLst>
-                  <a:ext uri="{0D108BD9-81ED-4DB2-BD59-A6C34878D82A}">
-                    <a16:rowId xmlns:a16="http://schemas.microsoft.com/office/drawing/2014/main" val="4038969940"/>
-                  </a:ext>
-                </a:extLst>
-              </a:tr>
-              <a:tr h="562661">
-                <a:tc>
-                  <a:txBody>
-                    <a:bodyPr/>
-                    <a:lstStyle/>
-                    <a:p>
-                      <a:r>
-                        <a:rPr lang="en-US" sz="1800">
-                          <a:solidFill>
-                            <a:schemeClr val="tx1">
-                              <a:lumMod val="75000"/>
-                              <a:lumOff val="25000"/>
-                            </a:schemeClr>
-                          </a:solidFill>
-                        </a:rPr>
-                        <a:t>01</a:t>
-                      </a:r>
-                    </a:p>
-                  </a:txBody>
-                  <a:tcPr marL="246421" marR="184815" marT="123210" marB="123210">
-                    <a:lnL w="12700" cmpd="sng">
-                      <a:noFill/>
-                      <a:prstDash val="solid"/>
-                    </a:lnL>
-                    <a:lnR w="12700" cmpd="sng">
-                      <a:noFill/>
-                      <a:prstDash val="solid"/>
-                    </a:lnR>
-                    <a:lnT w="9525" cap="flat" cmpd="sng" algn="ctr">
-                      <a:solidFill>
-                        <a:srgbClr val="C7C6C1"/>
-                      </a:solidFill>
-                      <a:prstDash val="solid"/>
-                    </a:lnT>
-                    <a:lnB w="9525" cap="flat" cmpd="sng" algn="ctr">
-                      <a:solidFill>
-                        <a:srgbClr val="C7C6C1"/>
-                      </a:solidFill>
-                      <a:prstDash val="solid"/>
-                    </a:lnB>
-                    <a:noFill/>
-                  </a:tcPr>
-                </a:tc>
-                <a:tc>
-                  <a:txBody>
-                    <a:bodyPr/>
-                    <a:lstStyle/>
-                    <a:p>
-                      <a:pPr marL="0" marR="0" lvl="0" indent="0" algn="l" defTabSz="914400" rtl="0" eaLnBrk="1" fontAlgn="auto" latinLnBrk="0" hangingPunct="1">
-                        <a:lnSpc>
-                          <a:spcPct val="100000"/>
-                        </a:lnSpc>
-                        <a:spcBef>
-                          <a:spcPts val="0"/>
-                        </a:spcBef>
-                        <a:spcAft>
-                          <a:spcPts val="0"/>
-                        </a:spcAft>
-                        <a:buClrTx/>
-                        <a:buSzTx/>
-                        <a:buFontTx/>
-                        <a:buNone/>
-                        <a:tabLst/>
-                        <a:defRPr/>
-                      </a:pPr>
-                      <a:r>
-                        <a:rPr lang="en-US" sz="1800">
-                          <a:solidFill>
-                            <a:schemeClr val="tx1">
-                              <a:lumMod val="75000"/>
-                              <a:lumOff val="25000"/>
-                            </a:schemeClr>
-                          </a:solidFill>
-                        </a:rPr>
-                        <a:t>Data Collection and Review.</a:t>
-                      </a:r>
-                    </a:p>
-                  </a:txBody>
-                  <a:tcPr marL="246421" marR="184815" marT="123210" marB="123210">
-                    <a:lnL w="12700" cmpd="sng">
-                      <a:noFill/>
-                      <a:prstDash val="solid"/>
-                    </a:lnL>
-                    <a:lnR w="12700" cmpd="sng">
-                      <a:noFill/>
-                      <a:prstDash val="solid"/>
-                    </a:lnR>
-                    <a:lnT w="9525" cap="flat" cmpd="sng" algn="ctr">
-                      <a:solidFill>
-                        <a:srgbClr val="C7C6C1"/>
-                      </a:solidFill>
-                      <a:prstDash val="solid"/>
-                    </a:lnT>
-                    <a:lnB w="9525" cap="flat" cmpd="sng" algn="ctr">
-                      <a:solidFill>
-                        <a:srgbClr val="C7C6C1"/>
-                      </a:solidFill>
-                      <a:prstDash val="solid"/>
-                    </a:lnB>
-                    <a:noFill/>
-                  </a:tcPr>
-                </a:tc>
-                <a:extLst>
-                  <a:ext uri="{0D108BD9-81ED-4DB2-BD59-A6C34878D82A}">
-                    <a16:rowId xmlns:a16="http://schemas.microsoft.com/office/drawing/2014/main" val="3093033847"/>
-                  </a:ext>
-                </a:extLst>
-              </a:tr>
-              <a:tr h="829616">
-                <a:tc>
-                  <a:txBody>
-                    <a:bodyPr/>
-                    <a:lstStyle/>
-                    <a:p>
-                      <a:r>
-                        <a:rPr lang="en-US" sz="1800">
-                          <a:solidFill>
-                            <a:schemeClr val="tx1">
-                              <a:lumMod val="75000"/>
-                              <a:lumOff val="25000"/>
-                            </a:schemeClr>
-                          </a:solidFill>
-                        </a:rPr>
-                        <a:t>02</a:t>
-                      </a:r>
-                    </a:p>
-                  </a:txBody>
-                  <a:tcPr marL="246421" marR="184815" marT="123210" marB="123210">
-                    <a:lnL w="12700" cmpd="sng">
-                      <a:noFill/>
-                      <a:prstDash val="solid"/>
-                    </a:lnL>
-                    <a:lnR w="12700" cmpd="sng">
-                      <a:noFill/>
-                      <a:prstDash val="solid"/>
-                    </a:lnR>
-                    <a:lnT w="9525" cap="flat" cmpd="sng" algn="ctr">
-                      <a:solidFill>
-                        <a:srgbClr val="C7C6C1"/>
-                      </a:solidFill>
-                      <a:prstDash val="solid"/>
-                    </a:lnT>
-                    <a:lnB w="9525" cap="flat" cmpd="sng" algn="ctr">
-                      <a:solidFill>
-                        <a:srgbClr val="C7C6C1"/>
-                      </a:solidFill>
-                      <a:prstDash val="solid"/>
-                    </a:lnB>
-                    <a:noFill/>
-                  </a:tcPr>
-                </a:tc>
-                <a:tc>
-                  <a:txBody>
-                    <a:bodyPr/>
-                    <a:lstStyle/>
-                    <a:p>
-                      <a:r>
-                        <a:rPr lang="en-US" sz="1800">
-                          <a:solidFill>
-                            <a:schemeClr val="tx1">
-                              <a:lumMod val="75000"/>
-                              <a:lumOff val="25000"/>
-                            </a:schemeClr>
-                          </a:solidFill>
-                        </a:rPr>
-                        <a:t>Data Cleaning and Descriptive analysis.</a:t>
-                      </a:r>
-                    </a:p>
-                  </a:txBody>
-                  <a:tcPr marL="246421" marR="184815" marT="123210" marB="123210">
-                    <a:lnL w="12700" cmpd="sng">
-                      <a:noFill/>
-                      <a:prstDash val="solid"/>
-                    </a:lnL>
-                    <a:lnR w="12700" cmpd="sng">
-                      <a:noFill/>
-                      <a:prstDash val="solid"/>
-                    </a:lnR>
-                    <a:lnT w="9525" cap="flat" cmpd="sng" algn="ctr">
-                      <a:solidFill>
-                        <a:srgbClr val="C7C6C1"/>
-                      </a:solidFill>
-                      <a:prstDash val="solid"/>
-                    </a:lnT>
-                    <a:lnB w="9525" cap="flat" cmpd="sng" algn="ctr">
-                      <a:solidFill>
-                        <a:srgbClr val="C7C6C1"/>
-                      </a:solidFill>
-                      <a:prstDash val="solid"/>
-                    </a:lnB>
-                    <a:noFill/>
-                  </a:tcPr>
-                </a:tc>
-                <a:extLst>
-                  <a:ext uri="{0D108BD9-81ED-4DB2-BD59-A6C34878D82A}">
-                    <a16:rowId xmlns:a16="http://schemas.microsoft.com/office/drawing/2014/main" val="301577594"/>
-                  </a:ext>
-                </a:extLst>
-              </a:tr>
-              <a:tr h="829616">
-                <a:tc>
-                  <a:txBody>
-                    <a:bodyPr/>
-                    <a:lstStyle/>
-                    <a:p>
-                      <a:r>
-                        <a:rPr lang="en-US" sz="1800">
-                          <a:solidFill>
-                            <a:schemeClr val="tx1">
-                              <a:lumMod val="75000"/>
-                              <a:lumOff val="25000"/>
-                            </a:schemeClr>
-                          </a:solidFill>
-                        </a:rPr>
-                        <a:t>03</a:t>
-                      </a:r>
-                    </a:p>
-                  </a:txBody>
-                  <a:tcPr marL="246421" marR="184815" marT="123210" marB="123210">
-                    <a:lnL w="12700" cmpd="sng">
-                      <a:noFill/>
-                      <a:prstDash val="solid"/>
-                    </a:lnL>
-                    <a:lnR w="12700" cmpd="sng">
-                      <a:noFill/>
-                      <a:prstDash val="solid"/>
-                    </a:lnR>
-                    <a:lnT w="9525" cap="flat" cmpd="sng" algn="ctr">
-                      <a:solidFill>
-                        <a:srgbClr val="C7C6C1"/>
-                      </a:solidFill>
-                      <a:prstDash val="solid"/>
-                    </a:lnT>
-                    <a:lnB w="9525" cap="flat" cmpd="sng" algn="ctr">
-                      <a:solidFill>
-                        <a:srgbClr val="C7C6C1"/>
-                      </a:solidFill>
-                      <a:prstDash val="solid"/>
-                    </a:lnB>
-                    <a:noFill/>
-                  </a:tcPr>
-                </a:tc>
-                <a:tc>
-                  <a:txBody>
-                    <a:bodyPr/>
-                    <a:lstStyle/>
-                    <a:p>
-                      <a:r>
-                        <a:rPr lang="en-US" sz="1800">
-                          <a:solidFill>
-                            <a:schemeClr val="tx1">
-                              <a:lumMod val="75000"/>
-                              <a:lumOff val="25000"/>
-                            </a:schemeClr>
-                          </a:solidFill>
-                        </a:rPr>
-                        <a:t>Regression Analysis and Hypothesis testing.</a:t>
-                      </a:r>
-                    </a:p>
-                  </a:txBody>
-                  <a:tcPr marL="246421" marR="184815" marT="123210" marB="123210">
-                    <a:lnL w="12700" cmpd="sng">
-                      <a:noFill/>
-                      <a:prstDash val="solid"/>
-                    </a:lnL>
-                    <a:lnR w="12700" cmpd="sng">
-                      <a:noFill/>
-                      <a:prstDash val="solid"/>
-                    </a:lnR>
-                    <a:lnT w="9525" cap="flat" cmpd="sng" algn="ctr">
-                      <a:solidFill>
-                        <a:srgbClr val="C7C6C1"/>
-                      </a:solidFill>
-                      <a:prstDash val="solid"/>
-                    </a:lnT>
-                    <a:lnB w="9525" cap="flat" cmpd="sng" algn="ctr">
-                      <a:solidFill>
-                        <a:srgbClr val="C7C6C1"/>
-                      </a:solidFill>
-                      <a:prstDash val="solid"/>
-                    </a:lnB>
-                    <a:noFill/>
-                  </a:tcPr>
-                </a:tc>
-                <a:extLst>
-                  <a:ext uri="{0D108BD9-81ED-4DB2-BD59-A6C34878D82A}">
-                    <a16:rowId xmlns:a16="http://schemas.microsoft.com/office/drawing/2014/main" val="731542647"/>
-                  </a:ext>
-                </a:extLst>
-              </a:tr>
-              <a:tr h="562661">
-                <a:tc>
-                  <a:txBody>
-                    <a:bodyPr/>
-                    <a:lstStyle/>
-                    <a:p>
-                      <a:r>
-                        <a:rPr lang="en-US" sz="1800">
-                          <a:solidFill>
-                            <a:schemeClr val="tx1">
-                              <a:lumMod val="75000"/>
-                              <a:lumOff val="25000"/>
-                            </a:schemeClr>
-                          </a:solidFill>
-                        </a:rPr>
-                        <a:t>04</a:t>
-                      </a:r>
-                    </a:p>
-                  </a:txBody>
-                  <a:tcPr marL="246421" marR="184815" marT="123210" marB="123210">
-                    <a:lnL w="12700" cmpd="sng">
-                      <a:noFill/>
-                      <a:prstDash val="solid"/>
-                    </a:lnL>
-                    <a:lnR w="12700" cmpd="sng">
-                      <a:noFill/>
-                      <a:prstDash val="solid"/>
-                    </a:lnR>
-                    <a:lnT w="9525" cap="flat" cmpd="sng" algn="ctr">
-                      <a:solidFill>
-                        <a:srgbClr val="C7C6C1"/>
-                      </a:solidFill>
-                      <a:prstDash val="solid"/>
-                    </a:lnT>
-                    <a:lnB w="9525" cap="flat" cmpd="sng" algn="ctr">
-                      <a:solidFill>
-                        <a:srgbClr val="C7C6C1"/>
-                      </a:solidFill>
-                      <a:prstDash val="solid"/>
-                    </a:lnB>
-                    <a:noFill/>
-                  </a:tcPr>
-                </a:tc>
-                <a:tc>
-                  <a:txBody>
-                    <a:bodyPr/>
-                    <a:lstStyle/>
-                    <a:p>
-                      <a:r>
-                        <a:rPr lang="en-US" sz="1800">
-                          <a:solidFill>
-                            <a:schemeClr val="tx1">
-                              <a:lumMod val="75000"/>
-                              <a:lumOff val="25000"/>
-                            </a:schemeClr>
-                          </a:solidFill>
-                        </a:rPr>
-                        <a:t>Final Review and Documentation.</a:t>
-                      </a:r>
-                    </a:p>
-                  </a:txBody>
-                  <a:tcPr marL="246421" marR="184815" marT="123210" marB="123210">
-                    <a:lnL w="12700" cmpd="sng">
-                      <a:noFill/>
-                      <a:prstDash val="solid"/>
-                    </a:lnL>
-                    <a:lnR w="12700" cmpd="sng">
-                      <a:noFill/>
-                      <a:prstDash val="solid"/>
-                    </a:lnR>
-                    <a:lnT w="9525" cap="flat" cmpd="sng" algn="ctr">
-                      <a:solidFill>
-                        <a:srgbClr val="C7C6C1"/>
-                      </a:solidFill>
-                      <a:prstDash val="solid"/>
-                    </a:lnT>
-                    <a:lnB w="9525" cap="flat" cmpd="sng" algn="ctr">
-                      <a:solidFill>
-                        <a:srgbClr val="C7C6C1"/>
-                      </a:solidFill>
-                      <a:prstDash val="solid"/>
-                    </a:lnB>
-                    <a:noFill/>
-                  </a:tcPr>
-                </a:tc>
-                <a:extLst>
-                  <a:ext uri="{0D108BD9-81ED-4DB2-BD59-A6C34878D82A}">
-                    <a16:rowId xmlns:a16="http://schemas.microsoft.com/office/drawing/2014/main" val="1236698467"/>
-                  </a:ext>
-                </a:extLst>
-              </a:tr>
-            </a:tbl>
-          </a:graphicData>
-        </a:graphic>
-      </p:graphicFrame>
+          <p:cNvPicPr>
+            <a:picLocks noChangeAspect="1"/>
+          </p:cNvPicPr>
+          <p:nvPr/>
+        </p:nvPicPr>
+        <p:blipFill rotWithShape="1">
+          <a:blip r:embed="rId2"/>
+          <a:srcRect l="13019" r="18475"/>
+          <a:stretch/>
+        </p:blipFill>
+        <p:spPr>
+          <a:xfrm>
+            <a:off x="4619543" y="10"/>
+            <a:ext cx="7572457" cy="6853242"/>
+          </a:xfrm>
+          <a:prstGeom prst="rect">
+            <a:avLst/>
+          </a:prstGeom>
+        </p:spPr>
+      </p:pic>
     </p:spTree>
     <p:extLst>
       <p:ext uri="{BB962C8B-B14F-4D97-AF65-F5344CB8AC3E}">
-        <p14:creationId xmlns:p14="http://schemas.microsoft.com/office/powerpoint/2010/main" val="1730977608"/>
+        <p14:creationId xmlns:p14="http://schemas.microsoft.com/office/powerpoint/2010/main" val="2099542480"/>
       </p:ext>
     </p:extLst>
   </p:cSld>
@@ -31031,12 +32274,12 @@
           <a:chExt cx="0" cy="0"/>
         </a:xfrm>
       </p:grpSpPr>
-      <p:sp>
+      <p:sp useBgFill="1">
         <p:nvSpPr>
-          <p:cNvPr id="43" name="Rectangle 8">
+          <p:cNvPr id="17" name="Rectangle 10">
             <a:extLst>
               <a:ext uri="{FF2B5EF4-FFF2-40B4-BE49-F238E27FC236}">
-                <a16:creationId xmlns:a16="http://schemas.microsoft.com/office/drawing/2014/main" id="{A3D9AEEE-1CCD-43C0-BA3E-16D60A6E23C0}"/>
+                <a16:creationId xmlns:a16="http://schemas.microsoft.com/office/drawing/2014/main" id="{B2EC7880-C5D9-40A8-A6B0-3198AD07AD1B}"/>
               </a:ext>
               <a:ext uri="{C183D7F6-B498-43B3-948B-1728B52AA6E4}">
                 <adec:decorative xmlns:adec="http://schemas.microsoft.com/office/drawing/2017/decorative" val="1"/>
@@ -31056,15 +32299,12 @@
         </p:nvSpPr>
         <p:spPr>
           <a:xfrm>
-            <a:off x="1" y="0"/>
-            <a:ext cx="4059079" cy="6858000"/>
+            <a:off x="0" y="-786"/>
+            <a:ext cx="12192000" cy="6854038"/>
           </a:xfrm>
           <a:prstGeom prst="rect">
             <a:avLst/>
           </a:prstGeom>
-          <a:solidFill>
-            <a:schemeClr val="tx2"/>
-          </a:solidFill>
           <a:ln>
             <a:noFill/>
           </a:ln>
@@ -31099,7 +32339,7 @@
           <p:cNvPr id="2" name="Title 1">
             <a:extLst>
               <a:ext uri="{FF2B5EF4-FFF2-40B4-BE49-F238E27FC236}">
-                <a16:creationId xmlns:a16="http://schemas.microsoft.com/office/drawing/2014/main" id="{F31A860E-E743-0FAD-ED75-F5FF09EF3205}"/>
+                <a16:creationId xmlns:a16="http://schemas.microsoft.com/office/drawing/2014/main" id="{35A512A6-4DE3-8D18-1AAE-C0B035D6E5FE}"/>
               </a:ext>
             </a:extLst>
           </p:cNvPr>
@@ -31112,8 +32352,8 @@
         </p:nvSpPr>
         <p:spPr>
           <a:xfrm>
-            <a:off x="1259893" y="3101093"/>
-            <a:ext cx="2454052" cy="3029344"/>
+            <a:off x="649224" y="645106"/>
+            <a:ext cx="3650279" cy="1259894"/>
           </a:xfrm>
         </p:spPr>
         <p:txBody>
@@ -31122,29 +32362,16 @@
           </a:bodyPr>
           <a:lstStyle/>
           <a:p>
-            <a:r>
-              <a:rPr lang="en-US" sz="3200" b="0" i="0">
-                <a:solidFill>
-                  <a:schemeClr val="bg1"/>
-                </a:solidFill>
-                <a:effectLst/>
-              </a:rPr>
-              <a:t>Repository / Archive</a:t>
-            </a:r>
-            <a:endParaRPr lang="en-US" sz="3200">
-              <a:solidFill>
-                <a:schemeClr val="bg1"/>
-              </a:solidFill>
-            </a:endParaRPr>
+            <a:endParaRPr lang="en-US"/>
           </a:p>
         </p:txBody>
       </p:sp>
       <p:sp>
         <p:nvSpPr>
-          <p:cNvPr id="44" name="Freeform 11">
+          <p:cNvPr id="18" name="Rectangle 12">
             <a:extLst>
               <a:ext uri="{FF2B5EF4-FFF2-40B4-BE49-F238E27FC236}">
-                <a16:creationId xmlns:a16="http://schemas.microsoft.com/office/drawing/2014/main" id="{60F880A6-33D3-4EEC-A780-B73559B9F24C}"/>
+                <a16:creationId xmlns:a16="http://schemas.microsoft.com/office/drawing/2014/main" id="{94543A62-A2AB-454A-878E-D3D9190D5FC7}"/>
               </a:ext>
               <a:ext uri="{C183D7F6-B498-43B3-948B-1728B52AA6E4}">
                 <adec:decorative xmlns:adec="http://schemas.microsoft.com/office/drawing/2017/decorative" val="1"/>
@@ -31162,66 +32389,163 @@
             </p:extLst>
           </p:nvPr>
         </p:nvSpPr>
-        <p:spPr bwMode="auto">
-          <a:xfrm flipV="1">
-            <a:off x="-159" y="3179901"/>
-            <a:ext cx="1098194" cy="514066"/>
+        <p:spPr>
+          <a:xfrm>
+            <a:off x="0" y="0"/>
+            <a:ext cx="182880" cy="6858000"/>
+          </a:xfrm>
+          <a:prstGeom prst="rect">
+            <a:avLst/>
+          </a:prstGeom>
+          <a:solidFill>
+            <a:schemeClr val="tx2"/>
+          </a:solidFill>
+          <a:ln>
+            <a:noFill/>
+          </a:ln>
+          <a:effectLst/>
+        </p:spPr>
+        <p:style>
+          <a:lnRef idx="1">
+            <a:schemeClr val="accent1"/>
+          </a:lnRef>
+          <a:fillRef idx="3">
+            <a:schemeClr val="accent1"/>
+          </a:fillRef>
+          <a:effectRef idx="2">
+            <a:schemeClr val="accent1"/>
+          </a:effectRef>
+          <a:fontRef idx="minor">
+            <a:schemeClr val="lt1"/>
+          </a:fontRef>
+        </p:style>
+      </p:sp>
+      <p:sp>
+        <p:nvSpPr>
+          <p:cNvPr id="19" name="Content Placeholder 7">
+            <a:extLst>
+              <a:ext uri="{FF2B5EF4-FFF2-40B4-BE49-F238E27FC236}">
+                <a16:creationId xmlns:a16="http://schemas.microsoft.com/office/drawing/2014/main" id="{29878A4B-6A3D-9B6B-4BAB-D28EC43B7AE4}"/>
+              </a:ext>
+            </a:extLst>
+          </p:cNvPr>
+          <p:cNvSpPr>
+            <a:spLocks noGrp="1"/>
+          </p:cNvSpPr>
+          <p:nvPr>
+            <p:ph idx="1"/>
+          </p:nvPr>
+        </p:nvSpPr>
+        <p:spPr>
+          <a:xfrm>
+            <a:off x="649225" y="2133600"/>
+            <a:ext cx="3650278" cy="3759253"/>
+          </a:xfrm>
+        </p:spPr>
+        <p:txBody>
+          <a:bodyPr>
+            <a:normAutofit/>
+          </a:bodyPr>
+          <a:lstStyle/>
+          <a:p>
+            <a:endParaRPr lang="en-US"/>
+          </a:p>
+        </p:txBody>
+      </p:sp>
+      <p:pic>
+        <p:nvPicPr>
+          <p:cNvPr id="4" name="Content Placeholder 3" descr="Chart&#10;&#10;Description automatically generated">
+            <a:extLst>
+              <a:ext uri="{FF2B5EF4-FFF2-40B4-BE49-F238E27FC236}">
+                <a16:creationId xmlns:a16="http://schemas.microsoft.com/office/drawing/2014/main" id="{4A25AC93-51DA-AD73-F2FC-0A06D88750EE}"/>
+              </a:ext>
+            </a:extLst>
+          </p:cNvPr>
+          <p:cNvPicPr>
+            <a:picLocks noChangeAspect="1"/>
+          </p:cNvPicPr>
+          <p:nvPr/>
+        </p:nvPicPr>
+        <p:blipFill rotWithShape="1">
+          <a:blip r:embed="rId2"/>
+          <a:srcRect r="17927" b="2"/>
+          <a:stretch/>
+        </p:blipFill>
+        <p:spPr>
+          <a:xfrm>
+            <a:off x="4619543" y="640080"/>
+            <a:ext cx="6953577" cy="5252773"/>
+          </a:xfrm>
+          <a:prstGeom prst="rect">
+            <a:avLst/>
+          </a:prstGeom>
+        </p:spPr>
+      </p:pic>
+      <p:sp>
+        <p:nvSpPr>
+          <p:cNvPr id="20" name="Freeform 11">
+            <a:extLst>
+              <a:ext uri="{FF2B5EF4-FFF2-40B4-BE49-F238E27FC236}">
+                <a16:creationId xmlns:a16="http://schemas.microsoft.com/office/drawing/2014/main" id="{50553464-41F1-4160-9D02-7C5EC7013BDA}"/>
+              </a:ext>
+              <a:ext uri="{C183D7F6-B498-43B3-948B-1728B52AA6E4}">
+                <adec:decorative xmlns:adec="http://schemas.microsoft.com/office/drawing/2017/decorative" val="1"/>
+              </a:ext>
+            </a:extLst>
+          </p:cNvPr>
+          <p:cNvSpPr>
+            <a:spLocks noGrp="1" noRot="1" noChangeAspect="1" noMove="1" noResize="1" noEditPoints="1" noAdjustHandles="1" noChangeArrowheads="1" noChangeShapeType="1" noTextEdit="1"/>
+          </p:cNvSpPr>
+          <p:nvPr>
+            <p:extLst>
+              <p:ext uri="{386F3935-93C4-4BCD-93E2-E3B085C9AB24}">
+                <p16:designElem xmlns:p16="http://schemas.microsoft.com/office/powerpoint/2015/main" val="1"/>
+              </p:ext>
+            </p:extLst>
+          </p:nvPr>
+        </p:nvSpPr>
+        <p:spPr>
+          <a:xfrm>
+            <a:off x="-1" y="6061223"/>
+            <a:ext cx="1038036" cy="506277"/>
           </a:xfrm>
           <a:custGeom>
             <a:avLst/>
             <a:gdLst>
-              <a:gd name="connsiteX0" fmla="*/ 10000 w 10044"/>
-              <a:gd name="connsiteY0" fmla="*/ 4701 h 9966"/>
-              <a:gd name="connsiteX1" fmla="*/ 8559 w 10044"/>
-              <a:gd name="connsiteY1" fmla="*/ 188 h 9966"/>
-              <a:gd name="connsiteX2" fmla="*/ 8527 w 10044"/>
-              <a:gd name="connsiteY2" fmla="*/ 94 h 9966"/>
-              <a:gd name="connsiteX3" fmla="*/ 8438 w 10044"/>
-              <a:gd name="connsiteY3" fmla="*/ 0 h 9966"/>
-              <a:gd name="connsiteX4" fmla="*/ 7867 w 10044"/>
-              <a:gd name="connsiteY4" fmla="*/ 0 h 9966"/>
-              <a:gd name="connsiteX5" fmla="*/ 0 w 10044"/>
-              <a:gd name="connsiteY5" fmla="*/ 70 h 9966"/>
-              <a:gd name="connsiteX6" fmla="*/ 3132 w 10044"/>
-              <a:gd name="connsiteY6" fmla="*/ 9763 h 9966"/>
-              <a:gd name="connsiteX7" fmla="*/ 7867 w 10044"/>
-              <a:gd name="connsiteY7" fmla="*/ 9966 h 9966"/>
-              <a:gd name="connsiteX8" fmla="*/ 8438 w 10044"/>
-              <a:gd name="connsiteY8" fmla="*/ 9966 h 9966"/>
-              <a:gd name="connsiteX9" fmla="*/ 8527 w 10044"/>
-              <a:gd name="connsiteY9" fmla="*/ 9872 h 9966"/>
-              <a:gd name="connsiteX10" fmla="*/ 8559 w 10044"/>
-              <a:gd name="connsiteY10" fmla="*/ 9778 h 9966"/>
-              <a:gd name="connsiteX11" fmla="*/ 10000 w 10044"/>
-              <a:gd name="connsiteY11" fmla="*/ 5265 h 9966"/>
-              <a:gd name="connsiteX12" fmla="*/ 10000 w 10044"/>
-              <a:gd name="connsiteY12" fmla="*/ 4701 h 9966"/>
-              <a:gd name="connsiteX0" fmla="*/ 6839 w 6883"/>
-              <a:gd name="connsiteY0" fmla="*/ 4885 h 10168"/>
-              <a:gd name="connsiteX1" fmla="*/ 5405 w 6883"/>
-              <a:gd name="connsiteY1" fmla="*/ 357 h 10168"/>
-              <a:gd name="connsiteX2" fmla="*/ 5373 w 6883"/>
-              <a:gd name="connsiteY2" fmla="*/ 262 h 10168"/>
-              <a:gd name="connsiteX3" fmla="*/ 5284 w 6883"/>
-              <a:gd name="connsiteY3" fmla="*/ 168 h 10168"/>
-              <a:gd name="connsiteX4" fmla="*/ 4716 w 6883"/>
-              <a:gd name="connsiteY4" fmla="*/ 168 h 10168"/>
-              <a:gd name="connsiteX5" fmla="*/ 50 w 6883"/>
-              <a:gd name="connsiteY5" fmla="*/ 0 h 10168"/>
-              <a:gd name="connsiteX6" fmla="*/ 1 w 6883"/>
-              <a:gd name="connsiteY6" fmla="*/ 9964 h 10168"/>
-              <a:gd name="connsiteX7" fmla="*/ 4716 w 6883"/>
-              <a:gd name="connsiteY7" fmla="*/ 10168 h 10168"/>
-              <a:gd name="connsiteX8" fmla="*/ 5284 w 6883"/>
-              <a:gd name="connsiteY8" fmla="*/ 10168 h 10168"/>
-              <a:gd name="connsiteX9" fmla="*/ 5373 w 6883"/>
-              <a:gd name="connsiteY9" fmla="*/ 10074 h 10168"/>
-              <a:gd name="connsiteX10" fmla="*/ 5405 w 6883"/>
-              <a:gd name="connsiteY10" fmla="*/ 9979 h 10168"/>
-              <a:gd name="connsiteX11" fmla="*/ 6839 w 6883"/>
-              <a:gd name="connsiteY11" fmla="*/ 5451 h 10168"/>
-              <a:gd name="connsiteX12" fmla="*/ 6839 w 6883"/>
-              <a:gd name="connsiteY12" fmla="*/ 4885 h 10168"/>
+              <a:gd name="connsiteX0" fmla="*/ 0 w 1038036"/>
+              <a:gd name="connsiteY0" fmla="*/ 0 h 506277"/>
+              <a:gd name="connsiteX1" fmla="*/ 182880 w 1038036"/>
+              <a:gd name="connsiteY1" fmla="*/ 0 h 506277"/>
+              <a:gd name="connsiteX2" fmla="*/ 291705 w 1038036"/>
+              <a:gd name="connsiteY2" fmla="*/ 0 h 506277"/>
+              <a:gd name="connsiteX3" fmla="*/ 291705 w 1038036"/>
+              <a:gd name="connsiteY3" fmla="*/ 151 h 506277"/>
+              <a:gd name="connsiteX4" fmla="*/ 692049 w 1038036"/>
+              <a:gd name="connsiteY4" fmla="*/ 705 h 506277"/>
+              <a:gd name="connsiteX5" fmla="*/ 782744 w 1038036"/>
+              <a:gd name="connsiteY5" fmla="*/ 705 h 506277"/>
+              <a:gd name="connsiteX6" fmla="*/ 797001 w 1038036"/>
+              <a:gd name="connsiteY6" fmla="*/ 5473 h 506277"/>
+              <a:gd name="connsiteX7" fmla="*/ 801982 w 1038036"/>
+              <a:gd name="connsiteY7" fmla="*/ 10242 h 506277"/>
+              <a:gd name="connsiteX8" fmla="*/ 1030951 w 1038036"/>
+              <a:gd name="connsiteY8" fmla="*/ 239185 h 506277"/>
+              <a:gd name="connsiteX9" fmla="*/ 1030951 w 1038036"/>
+              <a:gd name="connsiteY9" fmla="*/ 267797 h 506277"/>
+              <a:gd name="connsiteX10" fmla="*/ 801982 w 1038036"/>
+              <a:gd name="connsiteY10" fmla="*/ 496740 h 506277"/>
+              <a:gd name="connsiteX11" fmla="*/ 797001 w 1038036"/>
+              <a:gd name="connsiteY11" fmla="*/ 501508 h 506277"/>
+              <a:gd name="connsiteX12" fmla="*/ 782744 w 1038036"/>
+              <a:gd name="connsiteY12" fmla="*/ 506277 h 506277"/>
+              <a:gd name="connsiteX13" fmla="*/ 692049 w 1038036"/>
+              <a:gd name="connsiteY13" fmla="*/ 506277 h 506277"/>
+              <a:gd name="connsiteX14" fmla="*/ 291705 w 1038036"/>
+              <a:gd name="connsiteY14" fmla="*/ 505140 h 506277"/>
+              <a:gd name="connsiteX15" fmla="*/ 291705 w 1038036"/>
+              <a:gd name="connsiteY15" fmla="*/ 506277 h 506277"/>
+              <a:gd name="connsiteX16" fmla="*/ 0 w 1038036"/>
+              <a:gd name="connsiteY16" fmla="*/ 506277 h 506277"/>
             </a:gdLst>
             <a:ahLst/>
             <a:cxnLst>
@@ -31264,104 +32588,87 @@
               <a:cxn ang="0">
                 <a:pos x="connsiteX12" y="connsiteY12"/>
               </a:cxn>
+              <a:cxn ang="0">
+                <a:pos x="connsiteX13" y="connsiteY13"/>
+              </a:cxn>
+              <a:cxn ang="0">
+                <a:pos x="connsiteX14" y="connsiteY14"/>
+              </a:cxn>
+              <a:cxn ang="0">
+                <a:pos x="connsiteX15" y="connsiteY15"/>
+              </a:cxn>
+              <a:cxn ang="0">
+                <a:pos x="connsiteX16" y="connsiteY16"/>
+              </a:cxn>
             </a:cxnLst>
             <a:rect l="l" t="t" r="r" b="b"/>
             <a:pathLst>
-              <a:path w="6883" h="10168">
+              <a:path w="1038036" h="506277">
                 <a:moveTo>
-                  <a:pt x="6839" y="4885"/>
+                  <a:pt x="0" y="0"/>
                 </a:moveTo>
                 <a:lnTo>
-                  <a:pt x="5405" y="357"/>
+                  <a:pt x="182880" y="0"/>
+                </a:lnTo>
+                <a:lnTo>
+                  <a:pt x="291705" y="0"/>
+                </a:lnTo>
+                <a:lnTo>
+                  <a:pt x="291705" y="151"/>
+                </a:lnTo>
+                <a:lnTo>
+                  <a:pt x="692049" y="705"/>
+                </a:lnTo>
+                <a:lnTo>
+                  <a:pt x="782744" y="705"/>
                 </a:lnTo>
                 <a:cubicBezTo>
-                  <a:pt x="5395" y="325"/>
-                  <a:pt x="5383" y="294"/>
-                  <a:pt x="5373" y="262"/>
+                  <a:pt x="787553" y="705"/>
+                  <a:pt x="792363" y="5473"/>
+                  <a:pt x="797001" y="5473"/>
                 </a:cubicBezTo>
                 <a:cubicBezTo>
-                  <a:pt x="5344" y="168"/>
-                  <a:pt x="5314" y="168"/>
-                  <a:pt x="5284" y="168"/>
+                  <a:pt x="797001" y="10242"/>
+                  <a:pt x="801982" y="10242"/>
+                  <a:pt x="801982" y="10242"/>
                 </a:cubicBezTo>
                 <a:lnTo>
-                  <a:pt x="4716" y="168"/>
+                  <a:pt x="1030951" y="239185"/>
+                </a:lnTo>
+                <a:cubicBezTo>
+                  <a:pt x="1040398" y="248722"/>
+                  <a:pt x="1040398" y="258259"/>
+                  <a:pt x="1030951" y="267797"/>
+                </a:cubicBezTo>
+                <a:lnTo>
+                  <a:pt x="801982" y="496740"/>
+                </a:lnTo>
+                <a:cubicBezTo>
+                  <a:pt x="800436" y="498363"/>
+                  <a:pt x="798547" y="499885"/>
+                  <a:pt x="797001" y="501508"/>
+                </a:cubicBezTo>
+                <a:cubicBezTo>
+                  <a:pt x="792363" y="506277"/>
+                  <a:pt x="787553" y="506277"/>
+                  <a:pt x="782744" y="506277"/>
+                </a:cubicBezTo>
+                <a:lnTo>
+                  <a:pt x="692049" y="506277"/>
                 </a:lnTo>
                 <a:lnTo>
-                  <a:pt x="50" y="0"/>
-                </a:lnTo>
-                <a:cubicBezTo>
-                  <a:pt x="59" y="3322"/>
-                  <a:pt x="-8" y="6643"/>
-                  <a:pt x="1" y="9964"/>
-                </a:cubicBezTo>
-                <a:lnTo>
-                  <a:pt x="4716" y="10168"/>
+                  <a:pt x="291705" y="505140"/>
                 </a:lnTo>
                 <a:lnTo>
-                  <a:pt x="5284" y="10168"/>
+                  <a:pt x="291705" y="506277"/>
                 </a:lnTo>
-                <a:cubicBezTo>
-                  <a:pt x="5314" y="10168"/>
-                  <a:pt x="5344" y="10074"/>
-                  <a:pt x="5373" y="10074"/>
-                </a:cubicBezTo>
-                <a:cubicBezTo>
-                  <a:pt x="5373" y="9979"/>
-                  <a:pt x="5405" y="9979"/>
-                  <a:pt x="5405" y="9979"/>
-                </a:cubicBezTo>
                 <a:lnTo>
-                  <a:pt x="6839" y="5451"/>
+                  <a:pt x="0" y="506277"/>
                 </a:lnTo>
-                <a:cubicBezTo>
-                  <a:pt x="6898" y="5262"/>
-                  <a:pt x="6898" y="5074"/>
-                  <a:pt x="6839" y="4885"/>
-                </a:cubicBezTo>
                 <a:close/>
               </a:path>
             </a:pathLst>
           </a:custGeom>
-          <a:solidFill>
-            <a:schemeClr val="accent1"/>
-          </a:solidFill>
-          <a:ln>
-            <a:noFill/>
-          </a:ln>
-        </p:spPr>
-      </p:sp>
-      <p:sp useBgFill="1">
-        <p:nvSpPr>
-          <p:cNvPr id="13" name="Rectangle 12">
-            <a:extLst>
-              <a:ext uri="{FF2B5EF4-FFF2-40B4-BE49-F238E27FC236}">
-                <a16:creationId xmlns:a16="http://schemas.microsoft.com/office/drawing/2014/main" id="{2C6246ED-0535-4496-A8F6-1E80CC4EB853}"/>
-              </a:ext>
-              <a:ext uri="{C183D7F6-B498-43B3-948B-1728B52AA6E4}">
-                <adec:decorative xmlns:adec="http://schemas.microsoft.com/office/drawing/2017/decorative" val="1"/>
-              </a:ext>
-            </a:extLst>
-          </p:cNvPr>
-          <p:cNvSpPr>
-            <a:spLocks noGrp="1" noRot="1" noChangeAspect="1" noMove="1" noResize="1" noEditPoints="1" noAdjustHandles="1" noChangeArrowheads="1" noChangeShapeType="1" noTextEdit="1"/>
-          </p:cNvSpPr>
-          <p:nvPr>
-            <p:extLst>
-              <p:ext uri="{386F3935-93C4-4BCD-93E2-E3B085C9AB24}">
-                <p16:designElem xmlns:p16="http://schemas.microsoft.com/office/powerpoint/2015/main" val="1"/>
-              </p:ext>
-            </p:extLst>
-          </p:nvPr>
-        </p:nvSpPr>
-        <p:spPr>
-          <a:xfrm>
-            <a:off x="4795736" y="0"/>
-            <a:ext cx="7396264" cy="6858000"/>
-          </a:xfrm>
-          <a:prstGeom prst="rect">
-            <a:avLst/>
-          </a:prstGeom>
           <a:ln>
             <a:noFill/>
           </a:ln>
@@ -31391,41 +32698,10 @@
           </a:p>
         </p:txBody>
       </p:sp>
-      <p:graphicFrame>
-        <p:nvGraphicFramePr>
-          <p:cNvPr id="45" name="Content Placeholder 2">
-            <a:extLst>
-              <a:ext uri="{FF2B5EF4-FFF2-40B4-BE49-F238E27FC236}">
-                <a16:creationId xmlns:a16="http://schemas.microsoft.com/office/drawing/2014/main" id="{8A0FD20A-36ED-0D0E-265A-A197AFEED505}"/>
-              </a:ext>
-            </a:extLst>
-          </p:cNvPr>
-          <p:cNvGraphicFramePr>
-            <a:graphicFrameLocks noGrp="1"/>
-          </p:cNvGraphicFramePr>
-          <p:nvPr>
-            <p:ph idx="1"/>
-            <p:extLst>
-              <p:ext uri="{D42A27DB-BD31-4B8C-83A1-F6EECF244321}">
-                <p14:modId xmlns:p14="http://schemas.microsoft.com/office/powerpoint/2010/main" val="2379207732"/>
-              </p:ext>
-            </p:extLst>
-          </p:nvPr>
-        </p:nvGraphicFramePr>
-        <p:xfrm>
-          <a:off x="4713144" y="641551"/>
-          <a:ext cx="6832212" cy="5264779"/>
-        </p:xfrm>
-        <a:graphic>
-          <a:graphicData uri="http://schemas.openxmlformats.org/drawingml/2006/diagram">
-            <dgm:relIds xmlns:dgm="http://schemas.openxmlformats.org/drawingml/2006/diagram" xmlns:r="http://schemas.openxmlformats.org/officeDocument/2006/relationships" r:dm="rId2" r:lo="rId3" r:qs="rId4" r:cs="rId5"/>
-          </a:graphicData>
-        </a:graphic>
-      </p:graphicFrame>
     </p:spTree>
     <p:extLst>
       <p:ext uri="{BB962C8B-B14F-4D97-AF65-F5344CB8AC3E}">
-        <p14:creationId xmlns:p14="http://schemas.microsoft.com/office/powerpoint/2010/main" val="879591160"/>
+        <p14:creationId xmlns:p14="http://schemas.microsoft.com/office/powerpoint/2010/main" val="1401858500"/>
       </p:ext>
     </p:extLst>
   </p:cSld>
